--- a/正文/latex/outline.pptx
+++ b/正文/latex/outline.pptx
@@ -261,7 +261,7 @@
           <a:p>
             <a:fld id="{26632025-FB45-42CA-915A-C7DCBA5F44DF}" type="datetimeFigureOut">
               <a:rPr lang="zh-CN" altLang="en-US" smtClean="0"/>
-              <a:t>2023/7/2</a:t>
+              <a:t>2023/7/3</a:t>
             </a:fld>
             <a:endParaRPr lang="zh-CN" altLang="en-US"/>
           </a:p>
@@ -459,7 +459,7 @@
           <a:p>
             <a:fld id="{26632025-FB45-42CA-915A-C7DCBA5F44DF}" type="datetimeFigureOut">
               <a:rPr lang="zh-CN" altLang="en-US" smtClean="0"/>
-              <a:t>2023/7/2</a:t>
+              <a:t>2023/7/3</a:t>
             </a:fld>
             <a:endParaRPr lang="zh-CN" altLang="en-US"/>
           </a:p>
@@ -667,7 +667,7 @@
           <a:p>
             <a:fld id="{26632025-FB45-42CA-915A-C7DCBA5F44DF}" type="datetimeFigureOut">
               <a:rPr lang="zh-CN" altLang="en-US" smtClean="0"/>
-              <a:t>2023/7/2</a:t>
+              <a:t>2023/7/3</a:t>
             </a:fld>
             <a:endParaRPr lang="zh-CN" altLang="en-US"/>
           </a:p>
@@ -865,7 +865,7 @@
           <a:p>
             <a:fld id="{26632025-FB45-42CA-915A-C7DCBA5F44DF}" type="datetimeFigureOut">
               <a:rPr lang="zh-CN" altLang="en-US" smtClean="0"/>
-              <a:t>2023/7/2</a:t>
+              <a:t>2023/7/3</a:t>
             </a:fld>
             <a:endParaRPr lang="zh-CN" altLang="en-US"/>
           </a:p>
@@ -1140,7 +1140,7 @@
           <a:p>
             <a:fld id="{26632025-FB45-42CA-915A-C7DCBA5F44DF}" type="datetimeFigureOut">
               <a:rPr lang="zh-CN" altLang="en-US" smtClean="0"/>
-              <a:t>2023/7/2</a:t>
+              <a:t>2023/7/3</a:t>
             </a:fld>
             <a:endParaRPr lang="zh-CN" altLang="en-US"/>
           </a:p>
@@ -1405,7 +1405,7 @@
           <a:p>
             <a:fld id="{26632025-FB45-42CA-915A-C7DCBA5F44DF}" type="datetimeFigureOut">
               <a:rPr lang="zh-CN" altLang="en-US" smtClean="0"/>
-              <a:t>2023/7/2</a:t>
+              <a:t>2023/7/3</a:t>
             </a:fld>
             <a:endParaRPr lang="zh-CN" altLang="en-US"/>
           </a:p>
@@ -1817,7 +1817,7 @@
           <a:p>
             <a:fld id="{26632025-FB45-42CA-915A-C7DCBA5F44DF}" type="datetimeFigureOut">
               <a:rPr lang="zh-CN" altLang="en-US" smtClean="0"/>
-              <a:t>2023/7/2</a:t>
+              <a:t>2023/7/3</a:t>
             </a:fld>
             <a:endParaRPr lang="zh-CN" altLang="en-US"/>
           </a:p>
@@ -1958,7 +1958,7 @@
           <a:p>
             <a:fld id="{26632025-FB45-42CA-915A-C7DCBA5F44DF}" type="datetimeFigureOut">
               <a:rPr lang="zh-CN" altLang="en-US" smtClean="0"/>
-              <a:t>2023/7/2</a:t>
+              <a:t>2023/7/3</a:t>
             </a:fld>
             <a:endParaRPr lang="zh-CN" altLang="en-US"/>
           </a:p>
@@ -2071,7 +2071,7 @@
           <a:p>
             <a:fld id="{26632025-FB45-42CA-915A-C7DCBA5F44DF}" type="datetimeFigureOut">
               <a:rPr lang="zh-CN" altLang="en-US" smtClean="0"/>
-              <a:t>2023/7/2</a:t>
+              <a:t>2023/7/3</a:t>
             </a:fld>
             <a:endParaRPr lang="zh-CN" altLang="en-US"/>
           </a:p>
@@ -2382,7 +2382,7 @@
           <a:p>
             <a:fld id="{26632025-FB45-42CA-915A-C7DCBA5F44DF}" type="datetimeFigureOut">
               <a:rPr lang="zh-CN" altLang="en-US" smtClean="0"/>
-              <a:t>2023/7/2</a:t>
+              <a:t>2023/7/3</a:t>
             </a:fld>
             <a:endParaRPr lang="zh-CN" altLang="en-US"/>
           </a:p>
@@ -2670,7 +2670,7 @@
           <a:p>
             <a:fld id="{26632025-FB45-42CA-915A-C7DCBA5F44DF}" type="datetimeFigureOut">
               <a:rPr lang="zh-CN" altLang="en-US" smtClean="0"/>
-              <a:t>2023/7/2</a:t>
+              <a:t>2023/7/3</a:t>
             </a:fld>
             <a:endParaRPr lang="zh-CN" altLang="en-US"/>
           </a:p>
@@ -2911,7 +2911,7 @@
           <a:p>
             <a:fld id="{26632025-FB45-42CA-915A-C7DCBA5F44DF}" type="datetimeFigureOut">
               <a:rPr lang="zh-CN" altLang="en-US" smtClean="0"/>
-              <a:t>2023/7/2</a:t>
+              <a:t>2023/7/3</a:t>
             </a:fld>
             <a:endParaRPr lang="zh-CN" altLang="en-US"/>
           </a:p>
@@ -3328,8 +3328,8 @@
           <a:chExt cx="0" cy="0"/>
         </a:xfrm>
       </p:grpSpPr>
-      <mc:AlternateContent xmlns:mc="http://schemas.openxmlformats.org/markup-compatibility/2006">
-        <mc:Choice xmlns:a14="http://schemas.microsoft.com/office/drawing/2010/main" Requires="a14">
+      <mc:AlternateContent xmlns:mc="http://schemas.openxmlformats.org/markup-compatibility/2006" xmlns:a14="http://schemas.microsoft.com/office/drawing/2010/main">
+        <mc:Choice Requires="a14">
           <p:sp>
             <p:nvSpPr>
               <p:cNvPr id="4" name="文本框 3">
@@ -3358,6 +3358,7 @@
               </a:bodyPr>
               <a:lstStyle/>
               <a:p>
+                <a:pPr/>
                 <a14:m>
                   <m:oMathPara xmlns:m="http://schemas.openxmlformats.org/officeDocument/2006/math">
                     <m:oMathParaPr>
@@ -3378,7 +3379,7 @@
             </p:txBody>
           </p:sp>
         </mc:Choice>
-        <mc:Fallback>
+        <mc:Fallback xmlns="">
           <p:sp>
             <p:nvSpPr>
               <p:cNvPr id="4" name="文本框 3">
@@ -3423,8 +3424,8 @@
           </p:sp>
         </mc:Fallback>
       </mc:AlternateContent>
-      <mc:AlternateContent xmlns:mc="http://schemas.openxmlformats.org/markup-compatibility/2006">
-        <mc:Choice xmlns:a14="http://schemas.microsoft.com/office/drawing/2010/main" Requires="a14">
+      <mc:AlternateContent xmlns:mc="http://schemas.openxmlformats.org/markup-compatibility/2006" xmlns:a14="http://schemas.microsoft.com/office/drawing/2010/main">
+        <mc:Choice Requires="a14">
           <p:sp>
             <p:nvSpPr>
               <p:cNvPr id="2" name="文本框 1">
@@ -3453,6 +3454,7 @@
               </a:bodyPr>
               <a:lstStyle/>
               <a:p>
+                <a:pPr/>
                 <a14:m>
                   <m:oMathPara xmlns:m="http://schemas.openxmlformats.org/officeDocument/2006/math">
                     <m:oMathParaPr>
@@ -3479,7 +3481,7 @@
             </p:txBody>
           </p:sp>
         </mc:Choice>
-        <mc:Fallback>
+        <mc:Fallback xmlns="">
           <p:sp>
             <p:nvSpPr>
               <p:cNvPr id="2" name="文本框 1">
@@ -3524,8 +3526,8 @@
           </p:sp>
         </mc:Fallback>
       </mc:AlternateContent>
-      <mc:AlternateContent xmlns:mc="http://schemas.openxmlformats.org/markup-compatibility/2006">
-        <mc:Choice xmlns:a14="http://schemas.microsoft.com/office/drawing/2010/main" Requires="a14">
+      <mc:AlternateContent xmlns:mc="http://schemas.openxmlformats.org/markup-compatibility/2006" xmlns:a14="http://schemas.microsoft.com/office/drawing/2010/main">
+        <mc:Choice Requires="a14">
           <p:sp>
             <p:nvSpPr>
               <p:cNvPr id="3" name="文本框 2">
@@ -3554,6 +3556,7 @@
               </a:bodyPr>
               <a:lstStyle/>
               <a:p>
+                <a:pPr/>
                 <a14:m>
                   <m:oMathPara xmlns:m="http://schemas.openxmlformats.org/officeDocument/2006/math">
                     <m:oMathParaPr>
@@ -3580,7 +3583,7 @@
             </p:txBody>
           </p:sp>
         </mc:Choice>
-        <mc:Fallback>
+        <mc:Fallback xmlns="">
           <p:sp>
             <p:nvSpPr>
               <p:cNvPr id="3" name="文本框 2">
@@ -3625,8 +3628,8 @@
           </p:sp>
         </mc:Fallback>
       </mc:AlternateContent>
-      <mc:AlternateContent xmlns:mc="http://schemas.openxmlformats.org/markup-compatibility/2006">
-        <mc:Choice xmlns:a14="http://schemas.microsoft.com/office/drawing/2010/main" Requires="a14">
+      <mc:AlternateContent xmlns:mc="http://schemas.openxmlformats.org/markup-compatibility/2006" xmlns:a14="http://schemas.microsoft.com/office/drawing/2010/main">
+        <mc:Choice Requires="a14">
           <p:sp>
             <p:nvSpPr>
               <p:cNvPr id="10" name="文本框 9">
@@ -3655,6 +3658,7 @@
               </a:bodyPr>
               <a:lstStyle/>
               <a:p>
+                <a:pPr/>
                 <a14:m>
                   <m:oMathPara xmlns:m="http://schemas.openxmlformats.org/officeDocument/2006/math">
                     <m:oMathParaPr>
@@ -3675,7 +3679,7 @@
             </p:txBody>
           </p:sp>
         </mc:Choice>
-        <mc:Fallback>
+        <mc:Fallback xmlns="">
           <p:sp>
             <p:nvSpPr>
               <p:cNvPr id="10" name="文本框 9">
@@ -3720,8 +3724,8 @@
           </p:sp>
         </mc:Fallback>
       </mc:AlternateContent>
-      <mc:AlternateContent xmlns:mc="http://schemas.openxmlformats.org/markup-compatibility/2006">
-        <mc:Choice xmlns:a14="http://schemas.microsoft.com/office/drawing/2010/main" Requires="a14">
+      <mc:AlternateContent xmlns:mc="http://schemas.openxmlformats.org/markup-compatibility/2006" xmlns:a14="http://schemas.microsoft.com/office/drawing/2010/main">
+        <mc:Choice Requires="a14">
           <p:sp>
             <p:nvSpPr>
               <p:cNvPr id="12" name="文本框 11">
@@ -3750,6 +3754,7 @@
               </a:bodyPr>
               <a:lstStyle/>
               <a:p>
+                <a:pPr/>
                 <a14:m>
                   <m:oMathPara xmlns:m="http://schemas.openxmlformats.org/officeDocument/2006/math">
                     <m:oMathParaPr>
@@ -3789,7 +3794,7 @@
             </p:txBody>
           </p:sp>
         </mc:Choice>
-        <mc:Fallback>
+        <mc:Fallback xmlns="">
           <p:sp>
             <p:nvSpPr>
               <p:cNvPr id="12" name="文本框 11">
@@ -4058,8 +4063,8 @@
           </a:fontRef>
         </p:style>
       </p:cxnSp>
-      <mc:AlternateContent xmlns:mc="http://schemas.openxmlformats.org/markup-compatibility/2006">
-        <mc:Choice xmlns:a14="http://schemas.microsoft.com/office/drawing/2010/main" Requires="a14">
+      <mc:AlternateContent xmlns:mc="http://schemas.openxmlformats.org/markup-compatibility/2006" xmlns:a14="http://schemas.microsoft.com/office/drawing/2010/main">
+        <mc:Choice Requires="a14">
           <p:sp>
             <p:nvSpPr>
               <p:cNvPr id="41" name="文本框 40">
@@ -4088,6 +4093,7 @@
               </a:bodyPr>
               <a:lstStyle/>
               <a:p>
+                <a:pPr/>
                 <a14:m>
                   <m:oMathPara xmlns:m="http://schemas.openxmlformats.org/officeDocument/2006/math">
                     <m:oMathParaPr>
@@ -4114,7 +4120,7 @@
             </p:txBody>
           </p:sp>
         </mc:Choice>
-        <mc:Fallback>
+        <mc:Fallback xmlns="">
           <p:sp>
             <p:nvSpPr>
               <p:cNvPr id="41" name="文本框 40">
@@ -4204,8 +4210,8 @@
           </a:fontRef>
         </p:style>
       </p:cxnSp>
-      <mc:AlternateContent xmlns:mc="http://schemas.openxmlformats.org/markup-compatibility/2006">
-        <mc:Choice xmlns:a14="http://schemas.microsoft.com/office/drawing/2010/main" Requires="a14">
+      <mc:AlternateContent xmlns:mc="http://schemas.openxmlformats.org/markup-compatibility/2006" xmlns:a14="http://schemas.microsoft.com/office/drawing/2010/main">
+        <mc:Choice Requires="a14">
           <p:sp>
             <p:nvSpPr>
               <p:cNvPr id="47" name="文本框 46">
@@ -4234,6 +4240,7 @@
               </a:bodyPr>
               <a:lstStyle/>
               <a:p>
+                <a:pPr/>
                 <a14:m>
                   <m:oMathPara xmlns:m="http://schemas.openxmlformats.org/officeDocument/2006/math">
                     <m:oMathParaPr>
@@ -4273,7 +4280,7 @@
             </p:txBody>
           </p:sp>
         </mc:Choice>
-        <mc:Fallback>
+        <mc:Fallback xmlns="">
           <p:sp>
             <p:nvSpPr>
               <p:cNvPr id="47" name="文本框 46">
@@ -4379,8 +4386,8 @@
             </p:nvSpPr>
             <p:spPr>
               <a:xfrm>
-                <a:off x="3799468" y="3718579"/>
-                <a:ext cx="1117550" cy="381515"/>
+                <a:off x="3821807" y="3716356"/>
+                <a:ext cx="1019766" cy="381515"/>
               </a:xfrm>
               <a:prstGeom prst="rect">
                 <a:avLst/>
@@ -4423,7 +4430,7 @@
                   </m:oMath>
                 </a14:m>
                 <a:r>
-                  <a:rPr lang="en-US" altLang="zh-CN"/>
+                  <a:rPr lang="en-US" altLang="zh-CN" dirty="0"/>
                   <a:t>-</a:t>
                 </a:r>
                 <a14:m>
@@ -4451,17 +4458,11 @@
                           </a:rPr>
                           <m:t>𝑛</m:t>
                         </m:r>
-                        <m:r>
-                          <a:rPr lang="en-US" altLang="zh-CN" b="0" i="1" smtClean="0">
-                            <a:latin typeface="Cambria Math" panose="02040503050406030204" pitchFamily="18" charset="0"/>
-                          </a:rPr>
-                          <m:t>,1</m:t>
-                        </m:r>
                       </m:sub>
                     </m:sSub>
                   </m:oMath>
                 </a14:m>
-                <a:endParaRPr lang="en-US" altLang="zh-CN"/>
+                <a:endParaRPr lang="en-US" altLang="zh-CN" dirty="0"/>
               </a:p>
             </p:txBody>
           </p:sp>
@@ -4483,8 +4484,8 @@
             </p:nvSpPr>
             <p:spPr>
               <a:xfrm>
-                <a:off x="3799468" y="3718579"/>
-                <a:ext cx="1117550" cy="381515"/>
+                <a:off x="3821807" y="3716356"/>
+                <a:ext cx="1019766" cy="381515"/>
               </a:xfrm>
               <a:prstGeom prst="rect">
                 <a:avLst/>
@@ -4492,7 +4493,7 @@
               <a:blipFill>
                 <a:blip r:embed="rId9"/>
                 <a:stretch>
-                  <a:fillRect t="-6349" b="-22222"/>
+                  <a:fillRect t="-9677" b="-22581"/>
                 </a:stretch>
               </a:blipFill>
             </p:spPr>
@@ -4529,12 +4530,12 @@
         </p:nvCxnSpPr>
         <p:spPr>
           <a:xfrm rot="5400000" flipH="1">
-            <a:off x="5353579" y="3104759"/>
-            <a:ext cx="1262816" cy="3253487"/>
+            <a:off x="5339190" y="3090371"/>
+            <a:ext cx="1265039" cy="3280040"/>
           </a:xfrm>
           <a:prstGeom prst="bentConnector3">
             <a:avLst>
-              <a:gd name="adj1" fmla="val -18102"/>
+              <a:gd name="adj1" fmla="val -18071"/>
             </a:avLst>
           </a:prstGeom>
           <a:ln w="12700">
@@ -4560,8 +4561,8 @@
           </a:fontRef>
         </p:style>
       </p:cxnSp>
-      <mc:AlternateContent xmlns:mc="http://schemas.openxmlformats.org/markup-compatibility/2006">
-        <mc:Choice xmlns:a14="http://schemas.microsoft.com/office/drawing/2010/main" Requires="a14">
+      <mc:AlternateContent xmlns:mc="http://schemas.openxmlformats.org/markup-compatibility/2006" xmlns:a14="http://schemas.microsoft.com/office/drawing/2010/main">
+        <mc:Choice Requires="a14">
           <p:sp>
             <p:nvSpPr>
               <p:cNvPr id="112" name="文本框 111">
@@ -4590,6 +4591,7 @@
               </a:bodyPr>
               <a:lstStyle/>
               <a:p>
+                <a:pPr/>
                 <a14:m>
                   <m:oMathPara xmlns:m="http://schemas.openxmlformats.org/officeDocument/2006/math">
                     <m:oMathParaPr>
@@ -4629,7 +4631,7 @@
             </p:txBody>
           </p:sp>
         </mc:Choice>
-        <mc:Fallback>
+        <mc:Fallback xmlns="">
           <p:sp>
             <p:nvSpPr>
               <p:cNvPr id="112" name="文本框 111">
@@ -4674,8 +4676,8 @@
           </p:sp>
         </mc:Fallback>
       </mc:AlternateContent>
-      <mc:AlternateContent xmlns:mc="http://schemas.openxmlformats.org/markup-compatibility/2006">
-        <mc:Choice xmlns:a14="http://schemas.microsoft.com/office/drawing/2010/main" Requires="a14">
+      <mc:AlternateContent xmlns:mc="http://schemas.openxmlformats.org/markup-compatibility/2006" xmlns:a14="http://schemas.microsoft.com/office/drawing/2010/main">
+        <mc:Choice Requires="a14">
           <p:sp>
             <p:nvSpPr>
               <p:cNvPr id="141" name="文本框 140">
@@ -4704,6 +4706,7 @@
               </a:bodyPr>
               <a:lstStyle/>
               <a:p>
+                <a:pPr/>
                 <a14:m>
                   <m:oMathPara xmlns:m="http://schemas.openxmlformats.org/officeDocument/2006/math">
                     <m:oMathParaPr>
@@ -4743,7 +4746,7 @@
             </p:txBody>
           </p:sp>
         </mc:Choice>
-        <mc:Fallback>
+        <mc:Fallback xmlns="">
           <p:sp>
             <p:nvSpPr>
               <p:cNvPr id="141" name="文本框 140">
@@ -4788,8 +4791,8 @@
           </p:sp>
         </mc:Fallback>
       </mc:AlternateContent>
-      <mc:AlternateContent xmlns:mc="http://schemas.openxmlformats.org/markup-compatibility/2006">
-        <mc:Choice xmlns:a14="http://schemas.microsoft.com/office/drawing/2010/main" Requires="a14">
+      <mc:AlternateContent xmlns:mc="http://schemas.openxmlformats.org/markup-compatibility/2006" xmlns:a14="http://schemas.microsoft.com/office/drawing/2010/main">
+        <mc:Choice Requires="a14">
           <p:sp>
             <p:nvSpPr>
               <p:cNvPr id="142" name="文本框 141">
@@ -4818,6 +4821,7 @@
               </a:bodyPr>
               <a:lstStyle/>
               <a:p>
+                <a:pPr/>
                 <a14:m>
                   <m:oMathPara xmlns:m="http://schemas.openxmlformats.org/officeDocument/2006/math">
                     <m:oMathParaPr>
@@ -4844,7 +4848,7 @@
             </p:txBody>
           </p:sp>
         </mc:Choice>
-        <mc:Fallback>
+        <mc:Fallback xmlns="">
           <p:sp>
             <p:nvSpPr>
               <p:cNvPr id="142" name="文本框 141">
@@ -4889,8 +4893,8 @@
           </p:sp>
         </mc:Fallback>
       </mc:AlternateContent>
-      <mc:AlternateContent xmlns:mc="http://schemas.openxmlformats.org/markup-compatibility/2006">
-        <mc:Choice xmlns:a14="http://schemas.microsoft.com/office/drawing/2010/main" Requires="a14">
+      <mc:AlternateContent xmlns:mc="http://schemas.openxmlformats.org/markup-compatibility/2006" xmlns:a14="http://schemas.microsoft.com/office/drawing/2010/main">
+        <mc:Choice Requires="a14">
           <p:sp>
             <p:nvSpPr>
               <p:cNvPr id="147" name="文本框 146">
@@ -4919,6 +4923,7 @@
               </a:bodyPr>
               <a:lstStyle/>
               <a:p>
+                <a:pPr/>
                 <a14:m>
                   <m:oMathPara xmlns:m="http://schemas.openxmlformats.org/officeDocument/2006/math">
                     <m:oMathParaPr>
@@ -4948,7 +4953,7 @@
             </p:txBody>
           </p:sp>
         </mc:Choice>
-        <mc:Fallback>
+        <mc:Fallback xmlns="">
           <p:sp>
             <p:nvSpPr>
               <p:cNvPr id="147" name="文本框 146">
@@ -4993,8 +4998,8 @@
           </p:sp>
         </mc:Fallback>
       </mc:AlternateContent>
-      <mc:AlternateContent xmlns:mc="http://schemas.openxmlformats.org/markup-compatibility/2006">
-        <mc:Choice xmlns:a14="http://schemas.microsoft.com/office/drawing/2010/main" Requires="a14">
+      <mc:AlternateContent xmlns:mc="http://schemas.openxmlformats.org/markup-compatibility/2006" xmlns:a14="http://schemas.microsoft.com/office/drawing/2010/main">
+        <mc:Choice Requires="a14">
           <p:sp>
             <p:nvSpPr>
               <p:cNvPr id="154" name="文本框 153">
@@ -5023,6 +5028,7 @@
               </a:bodyPr>
               <a:lstStyle/>
               <a:p>
+                <a:pPr/>
                 <a14:m>
                   <m:oMathPara xmlns:m="http://schemas.openxmlformats.org/officeDocument/2006/math">
                     <m:oMathParaPr>
@@ -5043,7 +5049,7 @@
             </p:txBody>
           </p:sp>
         </mc:Choice>
-        <mc:Fallback>
+        <mc:Fallback xmlns="">
           <p:sp>
             <p:nvSpPr>
               <p:cNvPr id="154" name="文本框 153">
@@ -5398,8 +5404,8 @@
           </a:fontRef>
         </p:style>
       </p:cxnSp>
-      <mc:AlternateContent xmlns:mc="http://schemas.openxmlformats.org/markup-compatibility/2006">
-        <mc:Choice xmlns:a14="http://schemas.microsoft.com/office/drawing/2010/main" Requires="a14">
+      <mc:AlternateContent xmlns:mc="http://schemas.openxmlformats.org/markup-compatibility/2006" xmlns:a14="http://schemas.microsoft.com/office/drawing/2010/main">
+        <mc:Choice Requires="a14">
           <p:sp>
             <p:nvSpPr>
               <p:cNvPr id="215" name="文本框 214">
@@ -5428,6 +5434,7 @@
               </a:bodyPr>
               <a:lstStyle/>
               <a:p>
+                <a:pPr/>
                 <a14:m>
                   <m:oMathPara xmlns:m="http://schemas.openxmlformats.org/officeDocument/2006/math">
                     <m:oMathParaPr>
@@ -5467,7 +5474,7 @@
             </p:txBody>
           </p:sp>
         </mc:Choice>
-        <mc:Fallback>
+        <mc:Fallback xmlns="">
           <p:sp>
             <p:nvSpPr>
               <p:cNvPr id="215" name="文本框 214">
@@ -5643,8 +5650,8 @@
           <a:chExt cx="0" cy="0"/>
         </a:xfrm>
       </p:grpSpPr>
-      <mc:AlternateContent xmlns:mc="http://schemas.openxmlformats.org/markup-compatibility/2006">
-        <mc:Choice xmlns:a14="http://schemas.microsoft.com/office/drawing/2010/main" Requires="a14">
+      <mc:AlternateContent xmlns:mc="http://schemas.openxmlformats.org/markup-compatibility/2006" xmlns:a14="http://schemas.microsoft.com/office/drawing/2010/main">
+        <mc:Choice Requires="a14">
           <p:sp>
             <p:nvSpPr>
               <p:cNvPr id="4" name="文本框 3">
@@ -5673,6 +5680,7 @@
               </a:bodyPr>
               <a:lstStyle/>
               <a:p>
+                <a:pPr/>
                 <a14:m>
                   <m:oMathPara xmlns:m="http://schemas.openxmlformats.org/officeDocument/2006/math">
                     <m:oMathParaPr>
@@ -5693,7 +5701,7 @@
             </p:txBody>
           </p:sp>
         </mc:Choice>
-        <mc:Fallback>
+        <mc:Fallback xmlns="">
           <p:sp>
             <p:nvSpPr>
               <p:cNvPr id="4" name="文本框 3">
@@ -5738,8 +5746,8 @@
           </p:sp>
         </mc:Fallback>
       </mc:AlternateContent>
-      <mc:AlternateContent xmlns:mc="http://schemas.openxmlformats.org/markup-compatibility/2006">
-        <mc:Choice xmlns:a14="http://schemas.microsoft.com/office/drawing/2010/main" Requires="a14">
+      <mc:AlternateContent xmlns:mc="http://schemas.openxmlformats.org/markup-compatibility/2006" xmlns:a14="http://schemas.microsoft.com/office/drawing/2010/main">
+        <mc:Choice Requires="a14">
           <p:sp>
             <p:nvSpPr>
               <p:cNvPr id="3" name="文本框 2">
@@ -5768,6 +5776,7 @@
               </a:bodyPr>
               <a:lstStyle/>
               <a:p>
+                <a:pPr/>
                 <a14:m>
                   <m:oMathPara xmlns:m="http://schemas.openxmlformats.org/officeDocument/2006/math">
                     <m:oMathParaPr>
@@ -5794,7 +5803,7 @@
             </p:txBody>
           </p:sp>
         </mc:Choice>
-        <mc:Fallback>
+        <mc:Fallback xmlns="">
           <p:sp>
             <p:nvSpPr>
               <p:cNvPr id="3" name="文本框 2">
@@ -5839,8 +5848,8 @@
           </p:sp>
         </mc:Fallback>
       </mc:AlternateContent>
-      <mc:AlternateContent xmlns:mc="http://schemas.openxmlformats.org/markup-compatibility/2006">
-        <mc:Choice xmlns:a14="http://schemas.microsoft.com/office/drawing/2010/main" Requires="a14">
+      <mc:AlternateContent xmlns:mc="http://schemas.openxmlformats.org/markup-compatibility/2006" xmlns:a14="http://schemas.microsoft.com/office/drawing/2010/main">
+        <mc:Choice Requires="a14">
           <p:sp>
             <p:nvSpPr>
               <p:cNvPr id="10" name="文本框 9">
@@ -5869,6 +5878,7 @@
               </a:bodyPr>
               <a:lstStyle/>
               <a:p>
+                <a:pPr/>
                 <a14:m>
                   <m:oMathPara xmlns:m="http://schemas.openxmlformats.org/officeDocument/2006/math">
                     <m:oMathParaPr>
@@ -5889,7 +5899,7 @@
             </p:txBody>
           </p:sp>
         </mc:Choice>
-        <mc:Fallback>
+        <mc:Fallback xmlns="">
           <p:sp>
             <p:nvSpPr>
               <p:cNvPr id="10" name="文本框 9">
@@ -5934,8 +5944,8 @@
           </p:sp>
         </mc:Fallback>
       </mc:AlternateContent>
-      <mc:AlternateContent xmlns:mc="http://schemas.openxmlformats.org/markup-compatibility/2006">
-        <mc:Choice xmlns:a14="http://schemas.microsoft.com/office/drawing/2010/main" Requires="a14">
+      <mc:AlternateContent xmlns:mc="http://schemas.openxmlformats.org/markup-compatibility/2006" xmlns:a14="http://schemas.microsoft.com/office/drawing/2010/main">
+        <mc:Choice Requires="a14">
           <p:sp>
             <p:nvSpPr>
               <p:cNvPr id="12" name="文本框 11">
@@ -5964,6 +5974,7 @@
               </a:bodyPr>
               <a:lstStyle/>
               <a:p>
+                <a:pPr/>
                 <a14:m>
                   <m:oMathPara xmlns:m="http://schemas.openxmlformats.org/officeDocument/2006/math">
                     <m:oMathParaPr>
@@ -6003,7 +6014,7 @@
             </p:txBody>
           </p:sp>
         </mc:Choice>
-        <mc:Fallback>
+        <mc:Fallback xmlns="">
           <p:sp>
             <p:nvSpPr>
               <p:cNvPr id="12" name="文本框 11">
@@ -6228,8 +6239,8 @@
           </a:fontRef>
         </p:style>
       </p:cxnSp>
-      <mc:AlternateContent xmlns:mc="http://schemas.openxmlformats.org/markup-compatibility/2006">
-        <mc:Choice xmlns:a14="http://schemas.microsoft.com/office/drawing/2010/main" Requires="a14">
+      <mc:AlternateContent xmlns:mc="http://schemas.openxmlformats.org/markup-compatibility/2006" xmlns:a14="http://schemas.microsoft.com/office/drawing/2010/main">
+        <mc:Choice Requires="a14">
           <p:sp>
             <p:nvSpPr>
               <p:cNvPr id="41" name="文本框 40">
@@ -6258,6 +6269,7 @@
               </a:bodyPr>
               <a:lstStyle/>
               <a:p>
+                <a:pPr/>
                 <a14:m>
                   <m:oMathPara xmlns:m="http://schemas.openxmlformats.org/officeDocument/2006/math">
                     <m:oMathParaPr>
@@ -6284,7 +6296,7 @@
             </p:txBody>
           </p:sp>
         </mc:Choice>
-        <mc:Fallback>
+        <mc:Fallback xmlns="">
           <p:sp>
             <p:nvSpPr>
               <p:cNvPr id="41" name="文本框 40">
@@ -6374,8 +6386,8 @@
           </a:fontRef>
         </p:style>
       </p:cxnSp>
-      <mc:AlternateContent xmlns:mc="http://schemas.openxmlformats.org/markup-compatibility/2006">
-        <mc:Choice xmlns:a14="http://schemas.microsoft.com/office/drawing/2010/main" Requires="a14">
+      <mc:AlternateContent xmlns:mc="http://schemas.openxmlformats.org/markup-compatibility/2006" xmlns:a14="http://schemas.microsoft.com/office/drawing/2010/main">
+        <mc:Choice Requires="a14">
           <p:sp>
             <p:nvSpPr>
               <p:cNvPr id="47" name="文本框 46">
@@ -6404,6 +6416,7 @@
               </a:bodyPr>
               <a:lstStyle/>
               <a:p>
+                <a:pPr/>
                 <a14:m>
                   <m:oMathPara xmlns:m="http://schemas.openxmlformats.org/officeDocument/2006/math">
                     <m:oMathParaPr>
@@ -6443,7 +6456,7 @@
             </p:txBody>
           </p:sp>
         </mc:Choice>
-        <mc:Fallback>
+        <mc:Fallback xmlns="">
           <p:sp>
             <p:nvSpPr>
               <p:cNvPr id="47" name="文本框 46">
@@ -6549,8 +6562,8 @@
             </p:nvSpPr>
             <p:spPr>
               <a:xfrm>
-                <a:off x="4212083" y="4237790"/>
-                <a:ext cx="1117550" cy="381515"/>
+                <a:off x="4308297" y="4220468"/>
+                <a:ext cx="879793" cy="369332"/>
               </a:xfrm>
               <a:prstGeom prst="rect">
                 <a:avLst/>
@@ -6593,45 +6606,20 @@
                   </m:oMath>
                 </a14:m>
                 <a:r>
-                  <a:rPr lang="en-US" altLang="zh-CN"/>
+                  <a:rPr lang="en-US" altLang="zh-CN" dirty="0"/>
                   <a:t>-</a:t>
                 </a:r>
                 <a14:m>
                   <m:oMath xmlns:m="http://schemas.openxmlformats.org/officeDocument/2006/math">
-                    <m:sSub>
-                      <m:sSubPr>
-                        <m:ctrlPr>
-                          <a:rPr lang="en-US" altLang="zh-CN" i="1" smtClean="0">
-                            <a:latin typeface="Cambria Math" panose="02040503050406030204" pitchFamily="18" charset="0"/>
-                          </a:rPr>
-                        </m:ctrlPr>
-                      </m:sSubPr>
-                      <m:e>
-                        <m:r>
-                          <a:rPr lang="zh-CN" altLang="en-US" i="1">
-                            <a:latin typeface="Cambria Math" panose="02040503050406030204" pitchFamily="18" charset="0"/>
-                          </a:rPr>
-                          <m:t>𝜉</m:t>
-                        </m:r>
-                      </m:e>
-                      <m:sub>
-                        <m:r>
-                          <a:rPr lang="en-US" altLang="zh-CN" b="0" i="1" smtClean="0">
-                            <a:latin typeface="Cambria Math" panose="02040503050406030204" pitchFamily="18" charset="0"/>
-                          </a:rPr>
-                          <m:t>𝑛</m:t>
-                        </m:r>
-                        <m:r>
-                          <a:rPr lang="en-US" altLang="zh-CN" b="0" i="1" smtClean="0">
-                            <a:latin typeface="Cambria Math" panose="02040503050406030204" pitchFamily="18" charset="0"/>
-                          </a:rPr>
-                          <m:t>,2</m:t>
-                        </m:r>
-                      </m:sub>
-                    </m:sSub>
+                    <m:r>
+                      <a:rPr lang="zh-CN" altLang="en-US" i="1">
+                        <a:latin typeface="Cambria Math" panose="02040503050406030204" pitchFamily="18" charset="0"/>
+                      </a:rPr>
+                      <m:t>𝜉</m:t>
+                    </m:r>
                   </m:oMath>
                 </a14:m>
-                <a:endParaRPr lang="en-US" altLang="zh-CN"/>
+                <a:endParaRPr lang="en-US" altLang="zh-CN" dirty="0"/>
               </a:p>
             </p:txBody>
           </p:sp>
@@ -6653,8 +6641,8 @@
             </p:nvSpPr>
             <p:spPr>
               <a:xfrm>
-                <a:off x="4212083" y="4237790"/>
-                <a:ext cx="1117550" cy="381515"/>
+                <a:off x="4308297" y="4220468"/>
+                <a:ext cx="879793" cy="369332"/>
               </a:xfrm>
               <a:prstGeom prst="rect">
                 <a:avLst/>
@@ -6662,7 +6650,7 @@
               <a:blipFill>
                 <a:blip r:embed="rId8"/>
                 <a:stretch>
-                  <a:fillRect t="-6349" b="-22222"/>
+                  <a:fillRect t="-8197" r="-694" b="-24590"/>
                 </a:stretch>
               </a:blipFill>
             </p:spPr>
@@ -6699,12 +6687,12 @@
         </p:nvCxnSpPr>
         <p:spPr>
           <a:xfrm rot="5400000" flipH="1">
-            <a:off x="5049103" y="4341060"/>
-            <a:ext cx="1613182" cy="2169672"/>
+            <a:off x="5023018" y="4314976"/>
+            <a:ext cx="1642687" cy="2192336"/>
           </a:xfrm>
           <a:prstGeom prst="bentConnector3">
             <a:avLst>
-              <a:gd name="adj1" fmla="val -14171"/>
+              <a:gd name="adj1" fmla="val -13916"/>
             </a:avLst>
           </a:prstGeom>
           <a:ln w="12700">
@@ -6730,8 +6718,8 @@
           </a:fontRef>
         </p:style>
       </p:cxnSp>
-      <mc:AlternateContent xmlns:mc="http://schemas.openxmlformats.org/markup-compatibility/2006">
-        <mc:Choice xmlns:a14="http://schemas.microsoft.com/office/drawing/2010/main" Requires="a14">
+      <mc:AlternateContent xmlns:mc="http://schemas.openxmlformats.org/markup-compatibility/2006" xmlns:a14="http://schemas.microsoft.com/office/drawing/2010/main">
+        <mc:Choice Requires="a14">
           <p:sp>
             <p:nvSpPr>
               <p:cNvPr id="112" name="文本框 111">
@@ -6760,6 +6748,7 @@
               </a:bodyPr>
               <a:lstStyle/>
               <a:p>
+                <a:pPr/>
                 <a14:m>
                   <m:oMathPara xmlns:m="http://schemas.openxmlformats.org/officeDocument/2006/math">
                     <m:oMathParaPr>
@@ -6799,7 +6788,7 @@
             </p:txBody>
           </p:sp>
         </mc:Choice>
-        <mc:Fallback>
+        <mc:Fallback xmlns="">
           <p:sp>
             <p:nvSpPr>
               <p:cNvPr id="112" name="文本框 111">
@@ -6844,8 +6833,8 @@
           </p:sp>
         </mc:Fallback>
       </mc:AlternateContent>
-      <mc:AlternateContent xmlns:mc="http://schemas.openxmlformats.org/markup-compatibility/2006">
-        <mc:Choice xmlns:a14="http://schemas.microsoft.com/office/drawing/2010/main" Requires="a14">
+      <mc:AlternateContent xmlns:mc="http://schemas.openxmlformats.org/markup-compatibility/2006" xmlns:a14="http://schemas.microsoft.com/office/drawing/2010/main">
+        <mc:Choice Requires="a14">
           <p:sp>
             <p:nvSpPr>
               <p:cNvPr id="141" name="文本框 140">
@@ -6874,6 +6863,7 @@
               </a:bodyPr>
               <a:lstStyle/>
               <a:p>
+                <a:pPr/>
                 <a14:m>
                   <m:oMathPara xmlns:m="http://schemas.openxmlformats.org/officeDocument/2006/math">
                     <m:oMathParaPr>
@@ -6913,7 +6903,7 @@
             </p:txBody>
           </p:sp>
         </mc:Choice>
-        <mc:Fallback>
+        <mc:Fallback xmlns="">
           <p:sp>
             <p:nvSpPr>
               <p:cNvPr id="141" name="文本框 140">
@@ -6958,8 +6948,8 @@
           </p:sp>
         </mc:Fallback>
       </mc:AlternateContent>
-      <mc:AlternateContent xmlns:mc="http://schemas.openxmlformats.org/markup-compatibility/2006">
-        <mc:Choice xmlns:a14="http://schemas.microsoft.com/office/drawing/2010/main" Requires="a14">
+      <mc:AlternateContent xmlns:mc="http://schemas.openxmlformats.org/markup-compatibility/2006" xmlns:a14="http://schemas.microsoft.com/office/drawing/2010/main">
+        <mc:Choice Requires="a14">
           <p:sp>
             <p:nvSpPr>
               <p:cNvPr id="142" name="文本框 141">
@@ -6988,6 +6978,7 @@
               </a:bodyPr>
               <a:lstStyle/>
               <a:p>
+                <a:pPr/>
                 <a14:m>
                   <m:oMathPara xmlns:m="http://schemas.openxmlformats.org/officeDocument/2006/math">
                     <m:oMathParaPr>
@@ -7014,7 +7005,7 @@
             </p:txBody>
           </p:sp>
         </mc:Choice>
-        <mc:Fallback>
+        <mc:Fallback xmlns="">
           <p:sp>
             <p:nvSpPr>
               <p:cNvPr id="142" name="文本框 141">
@@ -7059,8 +7050,8 @@
           </p:sp>
         </mc:Fallback>
       </mc:AlternateContent>
-      <mc:AlternateContent xmlns:mc="http://schemas.openxmlformats.org/markup-compatibility/2006">
-        <mc:Choice xmlns:a14="http://schemas.microsoft.com/office/drawing/2010/main" Requires="a14">
+      <mc:AlternateContent xmlns:mc="http://schemas.openxmlformats.org/markup-compatibility/2006" xmlns:a14="http://schemas.microsoft.com/office/drawing/2010/main">
+        <mc:Choice Requires="a14">
           <p:sp>
             <p:nvSpPr>
               <p:cNvPr id="147" name="文本框 146">
@@ -7089,6 +7080,7 @@
               </a:bodyPr>
               <a:lstStyle/>
               <a:p>
+                <a:pPr/>
                 <a14:m>
                   <m:oMathPara xmlns:m="http://schemas.openxmlformats.org/officeDocument/2006/math">
                     <m:oMathParaPr>
@@ -7118,7 +7110,7 @@
             </p:txBody>
           </p:sp>
         </mc:Choice>
-        <mc:Fallback>
+        <mc:Fallback xmlns="">
           <p:sp>
             <p:nvSpPr>
               <p:cNvPr id="147" name="文本框 146">
@@ -7163,8 +7155,8 @@
           </p:sp>
         </mc:Fallback>
       </mc:AlternateContent>
-      <mc:AlternateContent xmlns:mc="http://schemas.openxmlformats.org/markup-compatibility/2006">
-        <mc:Choice xmlns:a14="http://schemas.microsoft.com/office/drawing/2010/main" Requires="a14">
+      <mc:AlternateContent xmlns:mc="http://schemas.openxmlformats.org/markup-compatibility/2006" xmlns:a14="http://schemas.microsoft.com/office/drawing/2010/main">
+        <mc:Choice Requires="a14">
           <p:sp>
             <p:nvSpPr>
               <p:cNvPr id="154" name="文本框 153">
@@ -7193,6 +7185,7 @@
               </a:bodyPr>
               <a:lstStyle/>
               <a:p>
+                <a:pPr/>
                 <a14:m>
                   <m:oMathPara xmlns:m="http://schemas.openxmlformats.org/officeDocument/2006/math">
                     <m:oMathParaPr>
@@ -7213,7 +7206,7 @@
             </p:txBody>
           </p:sp>
         </mc:Choice>
-        <mc:Fallback>
+        <mc:Fallback xmlns="">
           <p:sp>
             <p:nvSpPr>
               <p:cNvPr id="154" name="文本框 153">
@@ -7568,8 +7561,8 @@
           </a:fontRef>
         </p:style>
       </p:cxnSp>
-      <mc:AlternateContent xmlns:mc="http://schemas.openxmlformats.org/markup-compatibility/2006">
-        <mc:Choice xmlns:a14="http://schemas.microsoft.com/office/drawing/2010/main" Requires="a14">
+      <mc:AlternateContent xmlns:mc="http://schemas.openxmlformats.org/markup-compatibility/2006" xmlns:a14="http://schemas.microsoft.com/office/drawing/2010/main">
+        <mc:Choice Requires="a14">
           <p:sp>
             <p:nvSpPr>
               <p:cNvPr id="215" name="文本框 214">
@@ -7598,6 +7591,7 @@
               </a:bodyPr>
               <a:lstStyle/>
               <a:p>
+                <a:pPr/>
                 <a14:m>
                   <m:oMathPara xmlns:m="http://schemas.openxmlformats.org/officeDocument/2006/math">
                     <m:oMathParaPr>
@@ -7637,7 +7631,7 @@
             </p:txBody>
           </p:sp>
         </mc:Choice>
-        <mc:Fallback>
+        <mc:Fallback xmlns="">
           <p:sp>
             <p:nvSpPr>
               <p:cNvPr id="215" name="文本框 214">
@@ -7760,8 +7754,8 @@
           <a:chExt cx="0" cy="0"/>
         </a:xfrm>
       </p:grpSpPr>
-      <mc:AlternateContent xmlns:mc="http://schemas.openxmlformats.org/markup-compatibility/2006">
-        <mc:Choice xmlns:a14="http://schemas.microsoft.com/office/drawing/2010/main" Requires="a14">
+      <mc:AlternateContent xmlns:mc="http://schemas.openxmlformats.org/markup-compatibility/2006" xmlns:a14="http://schemas.microsoft.com/office/drawing/2010/main">
+        <mc:Choice Requires="a14">
           <p:sp>
             <p:nvSpPr>
               <p:cNvPr id="4" name="文本框 3">
@@ -7790,6 +7784,7 @@
               </a:bodyPr>
               <a:lstStyle/>
               <a:p>
+                <a:pPr/>
                 <a14:m>
                   <m:oMathPara xmlns:m="http://schemas.openxmlformats.org/officeDocument/2006/math">
                     <m:oMathParaPr>
@@ -7810,7 +7805,7 @@
             </p:txBody>
           </p:sp>
         </mc:Choice>
-        <mc:Fallback>
+        <mc:Fallback xmlns="">
           <p:sp>
             <p:nvSpPr>
               <p:cNvPr id="4" name="文本框 3">
@@ -7855,8 +7850,8 @@
           </p:sp>
         </mc:Fallback>
       </mc:AlternateContent>
-      <mc:AlternateContent xmlns:mc="http://schemas.openxmlformats.org/markup-compatibility/2006">
-        <mc:Choice xmlns:a14="http://schemas.microsoft.com/office/drawing/2010/main" Requires="a14">
+      <mc:AlternateContent xmlns:mc="http://schemas.openxmlformats.org/markup-compatibility/2006" xmlns:a14="http://schemas.microsoft.com/office/drawing/2010/main">
+        <mc:Choice Requires="a14">
           <p:sp>
             <p:nvSpPr>
               <p:cNvPr id="2" name="文本框 1">
@@ -7885,6 +7880,7 @@
               </a:bodyPr>
               <a:lstStyle/>
               <a:p>
+                <a:pPr/>
                 <a14:m>
                   <m:oMathPara xmlns:m="http://schemas.openxmlformats.org/officeDocument/2006/math">
                     <m:oMathParaPr>
@@ -7905,7 +7901,7 @@
             </p:txBody>
           </p:sp>
         </mc:Choice>
-        <mc:Fallback>
+        <mc:Fallback xmlns="">
           <p:sp>
             <p:nvSpPr>
               <p:cNvPr id="2" name="文本框 1">
@@ -7950,8 +7946,8 @@
           </p:sp>
         </mc:Fallback>
       </mc:AlternateContent>
-      <mc:AlternateContent xmlns:mc="http://schemas.openxmlformats.org/markup-compatibility/2006">
-        <mc:Choice xmlns:a14="http://schemas.microsoft.com/office/drawing/2010/main" Requires="a14">
+      <mc:AlternateContent xmlns:mc="http://schemas.openxmlformats.org/markup-compatibility/2006" xmlns:a14="http://schemas.microsoft.com/office/drawing/2010/main">
+        <mc:Choice Requires="a14">
           <p:sp>
             <p:nvSpPr>
               <p:cNvPr id="3" name="文本框 2">
@@ -7980,6 +7976,7 @@
               </a:bodyPr>
               <a:lstStyle/>
               <a:p>
+                <a:pPr/>
                 <a14:m>
                   <m:oMathPara xmlns:m="http://schemas.openxmlformats.org/officeDocument/2006/math">
                     <m:oMathParaPr>
@@ -8006,7 +8003,7 @@
             </p:txBody>
           </p:sp>
         </mc:Choice>
-        <mc:Fallback>
+        <mc:Fallback xmlns="">
           <p:sp>
             <p:nvSpPr>
               <p:cNvPr id="3" name="文本框 2">
@@ -8051,8 +8048,8 @@
           </p:sp>
         </mc:Fallback>
       </mc:AlternateContent>
-      <mc:AlternateContent xmlns:mc="http://schemas.openxmlformats.org/markup-compatibility/2006">
-        <mc:Choice xmlns:a14="http://schemas.microsoft.com/office/drawing/2010/main" Requires="a14">
+      <mc:AlternateContent xmlns:mc="http://schemas.openxmlformats.org/markup-compatibility/2006" xmlns:a14="http://schemas.microsoft.com/office/drawing/2010/main">
+        <mc:Choice Requires="a14">
           <p:sp>
             <p:nvSpPr>
               <p:cNvPr id="6" name="文本框 5">
@@ -8081,6 +8078,7 @@
               </a:bodyPr>
               <a:lstStyle/>
               <a:p>
+                <a:pPr/>
                 <a14:m>
                   <m:oMathPara xmlns:m="http://schemas.openxmlformats.org/officeDocument/2006/math">
                     <m:oMathParaPr>
@@ -8101,7 +8099,7 @@
             </p:txBody>
           </p:sp>
         </mc:Choice>
-        <mc:Fallback>
+        <mc:Fallback xmlns="">
           <p:sp>
             <p:nvSpPr>
               <p:cNvPr id="6" name="文本框 5">
@@ -8146,8 +8144,8 @@
           </p:sp>
         </mc:Fallback>
       </mc:AlternateContent>
-      <mc:AlternateContent xmlns:mc="http://schemas.openxmlformats.org/markup-compatibility/2006">
-        <mc:Choice xmlns:a14="http://schemas.microsoft.com/office/drawing/2010/main" Requires="a14">
+      <mc:AlternateContent xmlns:mc="http://schemas.openxmlformats.org/markup-compatibility/2006" xmlns:a14="http://schemas.microsoft.com/office/drawing/2010/main">
+        <mc:Choice Requires="a14">
           <p:sp>
             <p:nvSpPr>
               <p:cNvPr id="7" name="文本框 6">
@@ -8176,6 +8174,7 @@
               </a:bodyPr>
               <a:lstStyle/>
               <a:p>
+                <a:pPr/>
                 <a14:m>
                   <m:oMathPara xmlns:m="http://schemas.openxmlformats.org/officeDocument/2006/math">
                     <m:oMathParaPr>
@@ -8196,7 +8195,7 @@
             </p:txBody>
           </p:sp>
         </mc:Choice>
-        <mc:Fallback>
+        <mc:Fallback xmlns="">
           <p:sp>
             <p:nvSpPr>
               <p:cNvPr id="7" name="文本框 6">
@@ -8241,8 +8240,8 @@
           </p:sp>
         </mc:Fallback>
       </mc:AlternateContent>
-      <mc:AlternateContent xmlns:mc="http://schemas.openxmlformats.org/markup-compatibility/2006">
-        <mc:Choice xmlns:a14="http://schemas.microsoft.com/office/drawing/2010/main" Requires="a14">
+      <mc:AlternateContent xmlns:mc="http://schemas.openxmlformats.org/markup-compatibility/2006" xmlns:a14="http://schemas.microsoft.com/office/drawing/2010/main">
+        <mc:Choice Requires="a14">
           <p:sp>
             <p:nvSpPr>
               <p:cNvPr id="8" name="文本框 7">
@@ -8271,6 +8270,7 @@
               </a:bodyPr>
               <a:lstStyle/>
               <a:p>
+                <a:pPr/>
                 <a14:m>
                   <m:oMathPara xmlns:m="http://schemas.openxmlformats.org/officeDocument/2006/math">
                     <m:oMathParaPr>
@@ -8297,7 +8297,7 @@
             </p:txBody>
           </p:sp>
         </mc:Choice>
-        <mc:Fallback>
+        <mc:Fallback xmlns="">
           <p:sp>
             <p:nvSpPr>
               <p:cNvPr id="8" name="文本框 7">
@@ -8342,8 +8342,8 @@
           </p:sp>
         </mc:Fallback>
       </mc:AlternateContent>
-      <mc:AlternateContent xmlns:mc="http://schemas.openxmlformats.org/markup-compatibility/2006">
-        <mc:Choice xmlns:a14="http://schemas.microsoft.com/office/drawing/2010/main" Requires="a14">
+      <mc:AlternateContent xmlns:mc="http://schemas.openxmlformats.org/markup-compatibility/2006" xmlns:a14="http://schemas.microsoft.com/office/drawing/2010/main">
+        <mc:Choice Requires="a14">
           <p:sp>
             <p:nvSpPr>
               <p:cNvPr id="9" name="文本框 8">
@@ -8372,6 +8372,7 @@
               </a:bodyPr>
               <a:lstStyle/>
               <a:p>
+                <a:pPr/>
                 <a14:m>
                   <m:oMathPara xmlns:m="http://schemas.openxmlformats.org/officeDocument/2006/math">
                     <m:oMathParaPr>
@@ -8411,7 +8412,7 @@
             </p:txBody>
           </p:sp>
         </mc:Choice>
-        <mc:Fallback>
+        <mc:Fallback xmlns="">
           <p:sp>
             <p:nvSpPr>
               <p:cNvPr id="9" name="文本框 8">
@@ -8456,8 +8457,8 @@
           </p:sp>
         </mc:Fallback>
       </mc:AlternateContent>
-      <mc:AlternateContent xmlns:mc="http://schemas.openxmlformats.org/markup-compatibility/2006">
-        <mc:Choice xmlns:a14="http://schemas.microsoft.com/office/drawing/2010/main" Requires="a14">
+      <mc:AlternateContent xmlns:mc="http://schemas.openxmlformats.org/markup-compatibility/2006" xmlns:a14="http://schemas.microsoft.com/office/drawing/2010/main">
+        <mc:Choice Requires="a14">
           <p:sp>
             <p:nvSpPr>
               <p:cNvPr id="10" name="文本框 9">
@@ -8486,6 +8487,7 @@
               </a:bodyPr>
               <a:lstStyle/>
               <a:p>
+                <a:pPr/>
                 <a14:m>
                   <m:oMathPara xmlns:m="http://schemas.openxmlformats.org/officeDocument/2006/math">
                     <m:oMathParaPr>
@@ -8506,7 +8508,7 @@
             </p:txBody>
           </p:sp>
         </mc:Choice>
-        <mc:Fallback>
+        <mc:Fallback xmlns="">
           <p:sp>
             <p:nvSpPr>
               <p:cNvPr id="10" name="文本框 9">
@@ -8551,8 +8553,8 @@
           </p:sp>
         </mc:Fallback>
       </mc:AlternateContent>
-      <mc:AlternateContent xmlns:mc="http://schemas.openxmlformats.org/markup-compatibility/2006">
-        <mc:Choice xmlns:a14="http://schemas.microsoft.com/office/drawing/2010/main" Requires="a14">
+      <mc:AlternateContent xmlns:mc="http://schemas.openxmlformats.org/markup-compatibility/2006" xmlns:a14="http://schemas.microsoft.com/office/drawing/2010/main">
+        <mc:Choice Requires="a14">
           <p:sp>
             <p:nvSpPr>
               <p:cNvPr id="12" name="文本框 11">
@@ -8581,6 +8583,7 @@
               </a:bodyPr>
               <a:lstStyle/>
               <a:p>
+                <a:pPr/>
                 <a14:m>
                   <m:oMathPara xmlns:m="http://schemas.openxmlformats.org/officeDocument/2006/math">
                     <m:oMathParaPr>
@@ -8620,7 +8623,7 @@
             </p:txBody>
           </p:sp>
         </mc:Choice>
-        <mc:Fallback>
+        <mc:Fallback xmlns="">
           <p:sp>
             <p:nvSpPr>
               <p:cNvPr id="12" name="文本框 11">
@@ -9069,8 +9072,8 @@
           </a:fontRef>
         </p:style>
       </p:cxnSp>
-      <mc:AlternateContent xmlns:mc="http://schemas.openxmlformats.org/markup-compatibility/2006">
-        <mc:Choice xmlns:a14="http://schemas.microsoft.com/office/drawing/2010/main" Requires="a14">
+      <mc:AlternateContent xmlns:mc="http://schemas.openxmlformats.org/markup-compatibility/2006" xmlns:a14="http://schemas.microsoft.com/office/drawing/2010/main">
+        <mc:Choice Requires="a14">
           <p:sp>
             <p:nvSpPr>
               <p:cNvPr id="41" name="文本框 40">
@@ -9099,6 +9102,7 @@
               </a:bodyPr>
               <a:lstStyle/>
               <a:p>
+                <a:pPr/>
                 <a14:m>
                   <m:oMathPara xmlns:m="http://schemas.openxmlformats.org/officeDocument/2006/math">
                     <m:oMathParaPr>
@@ -9125,7 +9129,7 @@
             </p:txBody>
           </p:sp>
         </mc:Choice>
-        <mc:Fallback>
+        <mc:Fallback xmlns="">
           <p:sp>
             <p:nvSpPr>
               <p:cNvPr id="41" name="文本框 40">
@@ -9215,8 +9219,8 @@
           </a:fontRef>
         </p:style>
       </p:cxnSp>
-      <mc:AlternateContent xmlns:mc="http://schemas.openxmlformats.org/markup-compatibility/2006">
-        <mc:Choice xmlns:a14="http://schemas.microsoft.com/office/drawing/2010/main" Requires="a14">
+      <mc:AlternateContent xmlns:mc="http://schemas.openxmlformats.org/markup-compatibility/2006" xmlns:a14="http://schemas.microsoft.com/office/drawing/2010/main">
+        <mc:Choice Requires="a14">
           <p:sp>
             <p:nvSpPr>
               <p:cNvPr id="47" name="文本框 46">
@@ -9245,6 +9249,7 @@
               </a:bodyPr>
               <a:lstStyle/>
               <a:p>
+                <a:pPr/>
                 <a14:m>
                   <m:oMathPara xmlns:m="http://schemas.openxmlformats.org/officeDocument/2006/math">
                     <m:oMathParaPr>
@@ -9284,7 +9289,7 @@
             </p:txBody>
           </p:sp>
         </mc:Choice>
-        <mc:Fallback>
+        <mc:Fallback xmlns="">
           <p:sp>
             <p:nvSpPr>
               <p:cNvPr id="47" name="文本框 46">
@@ -9374,8 +9379,8 @@
           </a:fontRef>
         </p:style>
       </p:cxnSp>
-      <mc:AlternateContent xmlns:mc="http://schemas.openxmlformats.org/markup-compatibility/2006">
-        <mc:Choice xmlns:a14="http://schemas.microsoft.com/office/drawing/2010/main" Requires="a14">
+      <mc:AlternateContent xmlns:mc="http://schemas.openxmlformats.org/markup-compatibility/2006" xmlns:a14="http://schemas.microsoft.com/office/drawing/2010/main">
+        <mc:Choice Requires="a14">
           <p:sp>
             <p:nvSpPr>
               <p:cNvPr id="90" name="文本框 89">
@@ -9497,7 +9502,7 @@
             </p:txBody>
           </p:sp>
         </mc:Choice>
-        <mc:Fallback>
+        <mc:Fallback xmlns="">
           <p:sp>
             <p:nvSpPr>
               <p:cNvPr id="90" name="文本框 89">
@@ -9636,8 +9641,8 @@
           </a:fontRef>
         </p:style>
       </p:cxnSp>
-      <mc:AlternateContent xmlns:mc="http://schemas.openxmlformats.org/markup-compatibility/2006">
-        <mc:Choice xmlns:a14="http://schemas.microsoft.com/office/drawing/2010/main" Requires="a14">
+      <mc:AlternateContent xmlns:mc="http://schemas.openxmlformats.org/markup-compatibility/2006" xmlns:a14="http://schemas.microsoft.com/office/drawing/2010/main">
+        <mc:Choice Requires="a14">
           <p:sp>
             <p:nvSpPr>
               <p:cNvPr id="112" name="文本框 111">
@@ -9666,6 +9671,7 @@
               </a:bodyPr>
               <a:lstStyle/>
               <a:p>
+                <a:pPr/>
                 <a14:m>
                   <m:oMathPara xmlns:m="http://schemas.openxmlformats.org/officeDocument/2006/math">
                     <m:oMathParaPr>
@@ -9705,7 +9711,7 @@
             </p:txBody>
           </p:sp>
         </mc:Choice>
-        <mc:Fallback>
+        <mc:Fallback xmlns="">
           <p:sp>
             <p:nvSpPr>
               <p:cNvPr id="112" name="文本框 111">
@@ -9750,8 +9756,8 @@
           </p:sp>
         </mc:Fallback>
       </mc:AlternateContent>
-      <mc:AlternateContent xmlns:mc="http://schemas.openxmlformats.org/markup-compatibility/2006">
-        <mc:Choice xmlns:a14="http://schemas.microsoft.com/office/drawing/2010/main" Requires="a14">
+      <mc:AlternateContent xmlns:mc="http://schemas.openxmlformats.org/markup-compatibility/2006" xmlns:a14="http://schemas.microsoft.com/office/drawing/2010/main">
+        <mc:Choice Requires="a14">
           <p:sp>
             <p:nvSpPr>
               <p:cNvPr id="115" name="文本框 114">
@@ -9780,6 +9786,7 @@
               </a:bodyPr>
               <a:lstStyle/>
               <a:p>
+                <a:pPr/>
                 <a14:m>
                   <m:oMathPara xmlns:m="http://schemas.openxmlformats.org/officeDocument/2006/math">
                     <m:oMathParaPr>
@@ -9819,7 +9826,7 @@
             </p:txBody>
           </p:sp>
         </mc:Choice>
-        <mc:Fallback>
+        <mc:Fallback xmlns="">
           <p:sp>
             <p:nvSpPr>
               <p:cNvPr id="115" name="文本框 114">
@@ -9916,8 +9923,8 @@
           </a:p>
         </p:txBody>
       </p:sp>
-      <mc:AlternateContent xmlns:mc="http://schemas.openxmlformats.org/markup-compatibility/2006">
-        <mc:Choice xmlns:a14="http://schemas.microsoft.com/office/drawing/2010/main" Requires="a14">
+      <mc:AlternateContent xmlns:mc="http://schemas.openxmlformats.org/markup-compatibility/2006" xmlns:a14="http://schemas.microsoft.com/office/drawing/2010/main">
+        <mc:Choice Requires="a14">
           <p:sp>
             <p:nvSpPr>
               <p:cNvPr id="139" name="文本框 138">
@@ -9946,6 +9953,7 @@
               </a:bodyPr>
               <a:lstStyle/>
               <a:p>
+                <a:pPr/>
                 <a14:m>
                   <m:oMathPara xmlns:m="http://schemas.openxmlformats.org/officeDocument/2006/math">
                     <m:oMathParaPr>
@@ -9972,7 +9980,7 @@
             </p:txBody>
           </p:sp>
         </mc:Choice>
-        <mc:Fallback>
+        <mc:Fallback xmlns="">
           <p:sp>
             <p:nvSpPr>
               <p:cNvPr id="139" name="文本框 138">
@@ -10017,8 +10025,8 @@
           </p:sp>
         </mc:Fallback>
       </mc:AlternateContent>
-      <mc:AlternateContent xmlns:mc="http://schemas.openxmlformats.org/markup-compatibility/2006">
-        <mc:Choice xmlns:a14="http://schemas.microsoft.com/office/drawing/2010/main" Requires="a14">
+      <mc:AlternateContent xmlns:mc="http://schemas.openxmlformats.org/markup-compatibility/2006" xmlns:a14="http://schemas.microsoft.com/office/drawing/2010/main">
+        <mc:Choice Requires="a14">
           <p:sp>
             <p:nvSpPr>
               <p:cNvPr id="141" name="文本框 140">
@@ -10047,6 +10055,7 @@
               </a:bodyPr>
               <a:lstStyle/>
               <a:p>
+                <a:pPr/>
                 <a14:m>
                   <m:oMathPara xmlns:m="http://schemas.openxmlformats.org/officeDocument/2006/math">
                     <m:oMathParaPr>
@@ -10086,7 +10095,7 @@
             </p:txBody>
           </p:sp>
         </mc:Choice>
-        <mc:Fallback>
+        <mc:Fallback xmlns="">
           <p:sp>
             <p:nvSpPr>
               <p:cNvPr id="141" name="文本框 140">
@@ -10131,8 +10140,8 @@
           </p:sp>
         </mc:Fallback>
       </mc:AlternateContent>
-      <mc:AlternateContent xmlns:mc="http://schemas.openxmlformats.org/markup-compatibility/2006">
-        <mc:Choice xmlns:a14="http://schemas.microsoft.com/office/drawing/2010/main" Requires="a14">
+      <mc:AlternateContent xmlns:mc="http://schemas.openxmlformats.org/markup-compatibility/2006" xmlns:a14="http://schemas.microsoft.com/office/drawing/2010/main">
+        <mc:Choice Requires="a14">
           <p:sp>
             <p:nvSpPr>
               <p:cNvPr id="142" name="文本框 141">
@@ -10161,6 +10170,7 @@
               </a:bodyPr>
               <a:lstStyle/>
               <a:p>
+                <a:pPr/>
                 <a14:m>
                   <m:oMathPara xmlns:m="http://schemas.openxmlformats.org/officeDocument/2006/math">
                     <m:oMathParaPr>
@@ -10187,7 +10197,7 @@
             </p:txBody>
           </p:sp>
         </mc:Choice>
-        <mc:Fallback>
+        <mc:Fallback xmlns="">
           <p:sp>
             <p:nvSpPr>
               <p:cNvPr id="142" name="文本框 141">
@@ -10232,8 +10242,8 @@
           </p:sp>
         </mc:Fallback>
       </mc:AlternateContent>
-      <mc:AlternateContent xmlns:mc="http://schemas.openxmlformats.org/markup-compatibility/2006">
-        <mc:Choice xmlns:a14="http://schemas.microsoft.com/office/drawing/2010/main" Requires="a14">
+      <mc:AlternateContent xmlns:mc="http://schemas.openxmlformats.org/markup-compatibility/2006" xmlns:a14="http://schemas.microsoft.com/office/drawing/2010/main">
+        <mc:Choice Requires="a14">
           <p:sp>
             <p:nvSpPr>
               <p:cNvPr id="147" name="文本框 146">
@@ -10262,6 +10272,7 @@
               </a:bodyPr>
               <a:lstStyle/>
               <a:p>
+                <a:pPr/>
                 <a14:m>
                   <m:oMathPara xmlns:m="http://schemas.openxmlformats.org/officeDocument/2006/math">
                     <m:oMathParaPr>
@@ -10291,7 +10302,7 @@
             </p:txBody>
           </p:sp>
         </mc:Choice>
-        <mc:Fallback>
+        <mc:Fallback xmlns="">
           <p:sp>
             <p:nvSpPr>
               <p:cNvPr id="147" name="文本框 146">
@@ -10336,8 +10347,8 @@
           </p:sp>
         </mc:Fallback>
       </mc:AlternateContent>
-      <mc:AlternateContent xmlns:mc="http://schemas.openxmlformats.org/markup-compatibility/2006">
-        <mc:Choice xmlns:a14="http://schemas.microsoft.com/office/drawing/2010/main" Requires="a14">
+      <mc:AlternateContent xmlns:mc="http://schemas.openxmlformats.org/markup-compatibility/2006" xmlns:a14="http://schemas.microsoft.com/office/drawing/2010/main">
+        <mc:Choice Requires="a14">
           <p:sp>
             <p:nvSpPr>
               <p:cNvPr id="154" name="文本框 153">
@@ -10366,6 +10377,7 @@
               </a:bodyPr>
               <a:lstStyle/>
               <a:p>
+                <a:pPr/>
                 <a14:m>
                   <m:oMathPara xmlns:m="http://schemas.openxmlformats.org/officeDocument/2006/math">
                     <m:oMathParaPr>
@@ -10386,7 +10398,7 @@
             </p:txBody>
           </p:sp>
         </mc:Choice>
-        <mc:Fallback>
+        <mc:Fallback xmlns="">
           <p:sp>
             <p:nvSpPr>
               <p:cNvPr id="154" name="文本框 153">
@@ -10483,8 +10495,8 @@
           </a:p>
         </p:txBody>
       </p:sp>
-      <mc:AlternateContent xmlns:mc="http://schemas.openxmlformats.org/markup-compatibility/2006">
-        <mc:Choice xmlns:a14="http://schemas.microsoft.com/office/drawing/2010/main" Requires="a14">
+      <mc:AlternateContent xmlns:mc="http://schemas.openxmlformats.org/markup-compatibility/2006" xmlns:a14="http://schemas.microsoft.com/office/drawing/2010/main">
+        <mc:Choice Requires="a14">
           <p:sp>
             <p:nvSpPr>
               <p:cNvPr id="156" name="文本框 155">
@@ -10513,6 +10525,7 @@
               </a:bodyPr>
               <a:lstStyle/>
               <a:p>
+                <a:pPr/>
                 <a14:m>
                   <m:oMathPara xmlns:m="http://schemas.openxmlformats.org/officeDocument/2006/math">
                     <m:oMathParaPr>
@@ -10533,7 +10546,7 @@
             </p:txBody>
           </p:sp>
         </mc:Choice>
-        <mc:Fallback>
+        <mc:Fallback xmlns="">
           <p:sp>
             <p:nvSpPr>
               <p:cNvPr id="156" name="文本框 155">
@@ -10836,8 +10849,8 @@
           </a:fontRef>
         </p:style>
       </p:cxnSp>
-      <mc:AlternateContent xmlns:mc="http://schemas.openxmlformats.org/markup-compatibility/2006">
-        <mc:Choice xmlns:a14="http://schemas.microsoft.com/office/drawing/2010/main" Requires="a14">
+      <mc:AlternateContent xmlns:mc="http://schemas.openxmlformats.org/markup-compatibility/2006" xmlns:a14="http://schemas.microsoft.com/office/drawing/2010/main">
+        <mc:Choice Requires="a14">
           <p:sp>
             <p:nvSpPr>
               <p:cNvPr id="215" name="文本框 214">
@@ -10866,6 +10879,7 @@
               </a:bodyPr>
               <a:lstStyle/>
               <a:p>
+                <a:pPr/>
                 <a14:m>
                   <m:oMathPara xmlns:m="http://schemas.openxmlformats.org/officeDocument/2006/math">
                     <m:oMathParaPr>
@@ -10905,7 +10919,7 @@
             </p:txBody>
           </p:sp>
         </mc:Choice>
-        <mc:Fallback>
+        <mc:Fallback xmlns="">
           <p:sp>
             <p:nvSpPr>
               <p:cNvPr id="215" name="文本框 214">
@@ -11002,8 +11016,8 @@
           </a:p>
         </p:txBody>
       </p:sp>
-      <mc:AlternateContent xmlns:mc="http://schemas.openxmlformats.org/markup-compatibility/2006">
-        <mc:Choice xmlns:a14="http://schemas.microsoft.com/office/drawing/2010/main" Requires="a14">
+      <mc:AlternateContent xmlns:mc="http://schemas.openxmlformats.org/markup-compatibility/2006" xmlns:a14="http://schemas.microsoft.com/office/drawing/2010/main">
+        <mc:Choice Requires="a14">
           <p:sp>
             <p:nvSpPr>
               <p:cNvPr id="230" name="文本框 229">
@@ -11032,6 +11046,7 @@
               </a:bodyPr>
               <a:lstStyle/>
               <a:p>
+                <a:pPr/>
                 <a14:m>
                   <m:oMathPara xmlns:m="http://schemas.openxmlformats.org/officeDocument/2006/math">
                     <m:oMathParaPr>
@@ -11064,7 +11079,7 @@
             </p:txBody>
           </p:sp>
         </mc:Choice>
-        <mc:Fallback>
+        <mc:Fallback xmlns="">
           <p:sp>
             <p:nvSpPr>
               <p:cNvPr id="230" name="文本框 229">

--- a/正文/latex/outline.pptx
+++ b/正文/latex/outline.pptx
@@ -261,7 +261,7 @@
           <a:p>
             <a:fld id="{26632025-FB45-42CA-915A-C7DCBA5F44DF}" type="datetimeFigureOut">
               <a:rPr lang="zh-CN" altLang="en-US" smtClean="0"/>
-              <a:t>2023/7/3</a:t>
+              <a:t>2023/7/4</a:t>
             </a:fld>
             <a:endParaRPr lang="zh-CN" altLang="en-US"/>
           </a:p>
@@ -459,7 +459,7 @@
           <a:p>
             <a:fld id="{26632025-FB45-42CA-915A-C7DCBA5F44DF}" type="datetimeFigureOut">
               <a:rPr lang="zh-CN" altLang="en-US" smtClean="0"/>
-              <a:t>2023/7/3</a:t>
+              <a:t>2023/7/4</a:t>
             </a:fld>
             <a:endParaRPr lang="zh-CN" altLang="en-US"/>
           </a:p>
@@ -667,7 +667,7 @@
           <a:p>
             <a:fld id="{26632025-FB45-42CA-915A-C7DCBA5F44DF}" type="datetimeFigureOut">
               <a:rPr lang="zh-CN" altLang="en-US" smtClean="0"/>
-              <a:t>2023/7/3</a:t>
+              <a:t>2023/7/4</a:t>
             </a:fld>
             <a:endParaRPr lang="zh-CN" altLang="en-US"/>
           </a:p>
@@ -865,7 +865,7 @@
           <a:p>
             <a:fld id="{26632025-FB45-42CA-915A-C7DCBA5F44DF}" type="datetimeFigureOut">
               <a:rPr lang="zh-CN" altLang="en-US" smtClean="0"/>
-              <a:t>2023/7/3</a:t>
+              <a:t>2023/7/4</a:t>
             </a:fld>
             <a:endParaRPr lang="zh-CN" altLang="en-US"/>
           </a:p>
@@ -1140,7 +1140,7 @@
           <a:p>
             <a:fld id="{26632025-FB45-42CA-915A-C7DCBA5F44DF}" type="datetimeFigureOut">
               <a:rPr lang="zh-CN" altLang="en-US" smtClean="0"/>
-              <a:t>2023/7/3</a:t>
+              <a:t>2023/7/4</a:t>
             </a:fld>
             <a:endParaRPr lang="zh-CN" altLang="en-US"/>
           </a:p>
@@ -1405,7 +1405,7 @@
           <a:p>
             <a:fld id="{26632025-FB45-42CA-915A-C7DCBA5F44DF}" type="datetimeFigureOut">
               <a:rPr lang="zh-CN" altLang="en-US" smtClean="0"/>
-              <a:t>2023/7/3</a:t>
+              <a:t>2023/7/4</a:t>
             </a:fld>
             <a:endParaRPr lang="zh-CN" altLang="en-US"/>
           </a:p>
@@ -1817,7 +1817,7 @@
           <a:p>
             <a:fld id="{26632025-FB45-42CA-915A-C7DCBA5F44DF}" type="datetimeFigureOut">
               <a:rPr lang="zh-CN" altLang="en-US" smtClean="0"/>
-              <a:t>2023/7/3</a:t>
+              <a:t>2023/7/4</a:t>
             </a:fld>
             <a:endParaRPr lang="zh-CN" altLang="en-US"/>
           </a:p>
@@ -1958,7 +1958,7 @@
           <a:p>
             <a:fld id="{26632025-FB45-42CA-915A-C7DCBA5F44DF}" type="datetimeFigureOut">
               <a:rPr lang="zh-CN" altLang="en-US" smtClean="0"/>
-              <a:t>2023/7/3</a:t>
+              <a:t>2023/7/4</a:t>
             </a:fld>
             <a:endParaRPr lang="zh-CN" altLang="en-US"/>
           </a:p>
@@ -2071,7 +2071,7 @@
           <a:p>
             <a:fld id="{26632025-FB45-42CA-915A-C7DCBA5F44DF}" type="datetimeFigureOut">
               <a:rPr lang="zh-CN" altLang="en-US" smtClean="0"/>
-              <a:t>2023/7/3</a:t>
+              <a:t>2023/7/4</a:t>
             </a:fld>
             <a:endParaRPr lang="zh-CN" altLang="en-US"/>
           </a:p>
@@ -2382,7 +2382,7 @@
           <a:p>
             <a:fld id="{26632025-FB45-42CA-915A-C7DCBA5F44DF}" type="datetimeFigureOut">
               <a:rPr lang="zh-CN" altLang="en-US" smtClean="0"/>
-              <a:t>2023/7/3</a:t>
+              <a:t>2023/7/4</a:t>
             </a:fld>
             <a:endParaRPr lang="zh-CN" altLang="en-US"/>
           </a:p>
@@ -2670,7 +2670,7 @@
           <a:p>
             <a:fld id="{26632025-FB45-42CA-915A-C7DCBA5F44DF}" type="datetimeFigureOut">
               <a:rPr lang="zh-CN" altLang="en-US" smtClean="0"/>
-              <a:t>2023/7/3</a:t>
+              <a:t>2023/7/4</a:t>
             </a:fld>
             <a:endParaRPr lang="zh-CN" altLang="en-US"/>
           </a:p>
@@ -2911,7 +2911,7 @@
           <a:p>
             <a:fld id="{26632025-FB45-42CA-915A-C7DCBA5F44DF}" type="datetimeFigureOut">
               <a:rPr lang="zh-CN" altLang="en-US" smtClean="0"/>
-              <a:t>2023/7/3</a:t>
+              <a:t>2023/7/4</a:t>
             </a:fld>
             <a:endParaRPr lang="zh-CN" altLang="en-US"/>
           </a:p>
@@ -4370,8 +4370,8 @@
           </a:fontRef>
         </p:style>
       </p:cxnSp>
-      <mc:AlternateContent xmlns:mc="http://schemas.openxmlformats.org/markup-compatibility/2006">
-        <mc:Choice xmlns:a14="http://schemas.microsoft.com/office/drawing/2010/main" Requires="a14">
+      <mc:AlternateContent xmlns:mc="http://schemas.openxmlformats.org/markup-compatibility/2006" xmlns:a14="http://schemas.microsoft.com/office/drawing/2010/main">
+        <mc:Choice Requires="a14">
           <p:sp>
             <p:nvSpPr>
               <p:cNvPr id="90" name="文本框 89">
@@ -4467,7 +4467,7 @@
             </p:txBody>
           </p:sp>
         </mc:Choice>
-        <mc:Fallback>
+        <mc:Fallback xmlns="">
           <p:sp>
             <p:nvSpPr>
               <p:cNvPr id="90" name="文本框 89">
@@ -6546,8 +6546,8 @@
           </a:fontRef>
         </p:style>
       </p:cxnSp>
-      <mc:AlternateContent xmlns:mc="http://schemas.openxmlformats.org/markup-compatibility/2006">
-        <mc:Choice xmlns:a14="http://schemas.microsoft.com/office/drawing/2010/main" Requires="a14">
+      <mc:AlternateContent xmlns:mc="http://schemas.openxmlformats.org/markup-compatibility/2006" xmlns:a14="http://schemas.microsoft.com/office/drawing/2010/main">
+        <mc:Choice Requires="a14">
           <p:sp>
             <p:nvSpPr>
               <p:cNvPr id="90" name="文本框 89">
@@ -6624,7 +6624,7 @@
             </p:txBody>
           </p:sp>
         </mc:Choice>
-        <mc:Fallback>
+        <mc:Fallback xmlns="">
           <p:sp>
             <p:nvSpPr>
               <p:cNvPr id="90" name="文本框 89">
@@ -7770,7 +7770,7 @@
             </p:nvSpPr>
             <p:spPr>
               <a:xfrm>
-                <a:off x="4111869" y="2047318"/>
+                <a:off x="4917928" y="2107989"/>
                 <a:ext cx="810671" cy="369332"/>
               </a:xfrm>
               <a:prstGeom prst="rect">
@@ -7822,7 +7822,7 @@
             </p:nvSpPr>
             <p:spPr>
               <a:xfrm>
-                <a:off x="4111869" y="2047318"/>
+                <a:off x="4917928" y="2107989"/>
                 <a:ext cx="810671" cy="369332"/>
               </a:xfrm>
               <a:prstGeom prst="rect">
@@ -7866,7 +7866,7 @@
             </p:nvSpPr>
             <p:spPr>
               <a:xfrm>
-                <a:off x="3261518" y="2716129"/>
+                <a:off x="4067577" y="2776800"/>
                 <a:ext cx="594265" cy="369332"/>
               </a:xfrm>
               <a:prstGeom prst="rect">
@@ -7918,7 +7918,7 @@
             </p:nvSpPr>
             <p:spPr>
               <a:xfrm>
-                <a:off x="3261518" y="2716129"/>
+                <a:off x="4067577" y="2776800"/>
                 <a:ext cx="594265" cy="369332"/>
               </a:xfrm>
               <a:prstGeom prst="rect">
@@ -7962,7 +7962,7 @@
             </p:nvSpPr>
             <p:spPr>
               <a:xfrm>
-                <a:off x="5059879" y="2716129"/>
+                <a:off x="5865938" y="2776800"/>
                 <a:ext cx="721672" cy="369332"/>
               </a:xfrm>
               <a:prstGeom prst="rect">
@@ -8020,7 +8020,7 @@
             </p:nvSpPr>
             <p:spPr>
               <a:xfrm>
-                <a:off x="5059879" y="2716129"/>
+                <a:off x="5865938" y="2776800"/>
                 <a:ext cx="721672" cy="369332"/>
               </a:xfrm>
               <a:prstGeom prst="rect">
@@ -8064,7 +8064,7 @@
             </p:nvSpPr>
             <p:spPr>
               <a:xfrm>
-                <a:off x="6159955" y="3518109"/>
+                <a:off x="6966014" y="3578780"/>
                 <a:ext cx="810671" cy="369332"/>
               </a:xfrm>
               <a:prstGeom prst="rect">
@@ -8116,7 +8116,7 @@
             </p:nvSpPr>
             <p:spPr>
               <a:xfrm>
-                <a:off x="6159955" y="3518109"/>
+                <a:off x="6966014" y="3578780"/>
                 <a:ext cx="810671" cy="369332"/>
               </a:xfrm>
               <a:prstGeom prst="rect">
@@ -8160,7 +8160,7 @@
             </p:nvSpPr>
             <p:spPr>
               <a:xfrm>
-                <a:off x="5361192" y="4187314"/>
+                <a:off x="6167251" y="4247985"/>
                 <a:ext cx="882806" cy="369332"/>
               </a:xfrm>
               <a:prstGeom prst="rect">
@@ -8212,7 +8212,7 @@
             </p:nvSpPr>
             <p:spPr>
               <a:xfrm>
-                <a:off x="5361192" y="4187314"/>
+                <a:off x="6167251" y="4247985"/>
                 <a:ext cx="882806" cy="369332"/>
               </a:xfrm>
               <a:prstGeom prst="rect">
@@ -8256,7 +8256,7 @@
             </p:nvSpPr>
             <p:spPr>
               <a:xfrm>
-                <a:off x="7170293" y="4187314"/>
+                <a:off x="7976352" y="4247985"/>
                 <a:ext cx="713657" cy="369332"/>
               </a:xfrm>
               <a:prstGeom prst="rect">
@@ -8314,7 +8314,7 @@
             </p:nvSpPr>
             <p:spPr>
               <a:xfrm>
-                <a:off x="7170293" y="4187314"/>
+                <a:off x="7976352" y="4247985"/>
                 <a:ext cx="713657" cy="369332"/>
               </a:xfrm>
               <a:prstGeom prst="rect">
@@ -8358,7 +8358,7 @@
             </p:nvSpPr>
             <p:spPr>
               <a:xfrm>
-                <a:off x="6468244" y="4808797"/>
+                <a:off x="7274303" y="4869468"/>
                 <a:ext cx="773673" cy="369332"/>
               </a:xfrm>
               <a:prstGeom prst="rect">
@@ -8429,7 +8429,7 @@
             </p:nvSpPr>
             <p:spPr>
               <a:xfrm>
-                <a:off x="6468244" y="4808797"/>
+                <a:off x="7274303" y="4869468"/>
                 <a:ext cx="773673" cy="369332"/>
               </a:xfrm>
               <a:prstGeom prst="rect">
@@ -8473,7 +8473,7 @@
             </p:nvSpPr>
             <p:spPr>
               <a:xfrm>
-                <a:off x="7979362" y="4826687"/>
+                <a:off x="8785421" y="4887358"/>
                 <a:ext cx="541367" cy="369332"/>
               </a:xfrm>
               <a:prstGeom prst="rect">
@@ -8525,7 +8525,7 @@
             </p:nvSpPr>
             <p:spPr>
               <a:xfrm>
-                <a:off x="7979362" y="4826687"/>
+                <a:off x="8785421" y="4887358"/>
                 <a:ext cx="541367" cy="369332"/>
               </a:xfrm>
               <a:prstGeom prst="rect">
@@ -8569,7 +8569,7 @@
             </p:nvSpPr>
             <p:spPr>
               <a:xfrm>
-                <a:off x="3968746" y="3448329"/>
+                <a:off x="4774805" y="3509000"/>
                 <a:ext cx="773673" cy="369332"/>
               </a:xfrm>
               <a:prstGeom prst="rect">
@@ -8640,7 +8640,7 @@
             </p:nvSpPr>
             <p:spPr>
               <a:xfrm>
-                <a:off x="3968746" y="3448329"/>
+                <a:off x="4774805" y="3509000"/>
                 <a:ext cx="773673" cy="369332"/>
               </a:xfrm>
               <a:prstGeom prst="rect">
@@ -8685,7 +8685,7 @@
         </p:nvCxnSpPr>
         <p:spPr>
           <a:xfrm flipH="1">
-            <a:off x="3558651" y="2416650"/>
+            <a:off x="4364710" y="2477321"/>
             <a:ext cx="958554" cy="299479"/>
           </a:xfrm>
           <a:prstGeom prst="line">
@@ -8730,7 +8730,7 @@
         </p:nvCxnSpPr>
         <p:spPr>
           <a:xfrm>
-            <a:off x="4517205" y="2416650"/>
+            <a:off x="5323264" y="2477321"/>
             <a:ext cx="903510" cy="299479"/>
           </a:xfrm>
           <a:prstGeom prst="line">
@@ -8775,7 +8775,7 @@
         </p:nvCxnSpPr>
         <p:spPr>
           <a:xfrm flipH="1">
-            <a:off x="4355583" y="3085461"/>
+            <a:off x="5161642" y="3146132"/>
             <a:ext cx="1065132" cy="362868"/>
           </a:xfrm>
           <a:prstGeom prst="line">
@@ -8820,7 +8820,7 @@
         </p:nvCxnSpPr>
         <p:spPr>
           <a:xfrm>
-            <a:off x="5420715" y="3085461"/>
+            <a:off x="6226774" y="3146132"/>
             <a:ext cx="1144576" cy="432648"/>
           </a:xfrm>
           <a:prstGeom prst="line">
@@ -8865,7 +8865,7 @@
         </p:nvCxnSpPr>
         <p:spPr>
           <a:xfrm flipH="1">
-            <a:off x="5802595" y="3887441"/>
+            <a:off x="6608654" y="3948112"/>
             <a:ext cx="762696" cy="299873"/>
           </a:xfrm>
           <a:prstGeom prst="line">
@@ -8910,7 +8910,7 @@
         </p:nvCxnSpPr>
         <p:spPr>
           <a:xfrm>
-            <a:off x="6565291" y="3887441"/>
+            <a:off x="7371350" y="3948112"/>
             <a:ext cx="961831" cy="299873"/>
           </a:xfrm>
           <a:prstGeom prst="line">
@@ -8955,7 +8955,7 @@
         </p:nvCxnSpPr>
         <p:spPr>
           <a:xfrm flipH="1">
-            <a:off x="6855081" y="4556646"/>
+            <a:off x="7661140" y="4617317"/>
             <a:ext cx="672041" cy="252151"/>
           </a:xfrm>
           <a:prstGeom prst="line">
@@ -9000,7 +9000,7 @@
         </p:nvCxnSpPr>
         <p:spPr>
           <a:xfrm>
-            <a:off x="7527122" y="4556646"/>
+            <a:off x="8333181" y="4617317"/>
             <a:ext cx="722924" cy="270041"/>
           </a:xfrm>
           <a:prstGeom prst="line">
@@ -9045,7 +9045,7 @@
         </p:nvCxnSpPr>
         <p:spPr>
           <a:xfrm flipH="1">
-            <a:off x="7753242" y="5196019"/>
+            <a:off x="8559301" y="5256690"/>
             <a:ext cx="496804" cy="247955"/>
           </a:xfrm>
           <a:prstGeom prst="line">
@@ -9088,7 +9088,7 @@
             </p:nvSpPr>
             <p:spPr>
               <a:xfrm>
-                <a:off x="8591480" y="5490714"/>
+                <a:off x="9397539" y="5551385"/>
                 <a:ext cx="444352" cy="369332"/>
               </a:xfrm>
               <a:prstGeom prst="rect">
@@ -9146,7 +9146,7 @@
             </p:nvSpPr>
             <p:spPr>
               <a:xfrm>
-                <a:off x="8591480" y="5490714"/>
+                <a:off x="9397539" y="5551385"/>
                 <a:ext cx="444352" cy="369332"/>
               </a:xfrm>
               <a:prstGeom prst="rect">
@@ -9192,7 +9192,7 @@
         </p:nvCxnSpPr>
         <p:spPr>
           <a:xfrm>
-            <a:off x="8250046" y="5196019"/>
+            <a:off x="9056105" y="5256690"/>
             <a:ext cx="563610" cy="294695"/>
           </a:xfrm>
           <a:prstGeom prst="line">
@@ -9235,7 +9235,7 @@
             </p:nvSpPr>
             <p:spPr>
               <a:xfrm>
-                <a:off x="8564582" y="5953534"/>
+                <a:off x="9370641" y="6014205"/>
                 <a:ext cx="498149" cy="369332"/>
               </a:xfrm>
               <a:prstGeom prst="rect">
@@ -9306,7 +9306,7 @@
             </p:nvSpPr>
             <p:spPr>
               <a:xfrm>
-                <a:off x="8564582" y="5953534"/>
+                <a:off x="9370641" y="6014205"/>
                 <a:ext cx="498149" cy="369332"/>
               </a:xfrm>
               <a:prstGeom prst="rect">
@@ -9352,7 +9352,7 @@
         </p:nvCxnSpPr>
         <p:spPr>
           <a:xfrm flipH="1" flipV="1">
-            <a:off x="8813656" y="5860046"/>
+            <a:off x="9619715" y="5920717"/>
             <a:ext cx="1" cy="93488"/>
           </a:xfrm>
           <a:prstGeom prst="line">
@@ -9379,8 +9379,8 @@
           </a:fontRef>
         </p:style>
       </p:cxnSp>
-      <mc:AlternateContent xmlns:mc="http://schemas.openxmlformats.org/markup-compatibility/2006" xmlns:a14="http://schemas.microsoft.com/office/drawing/2010/main">
-        <mc:Choice Requires="a14">
+      <mc:AlternateContent xmlns:mc="http://schemas.openxmlformats.org/markup-compatibility/2006">
+        <mc:Choice xmlns:a14="http://schemas.microsoft.com/office/drawing/2010/main" Requires="a14">
           <p:sp>
             <p:nvSpPr>
               <p:cNvPr id="90" name="文本框 89">
@@ -9395,8 +9395,8 @@
             </p:nvSpPr>
             <p:spPr>
               <a:xfrm>
-                <a:off x="3645581" y="3749508"/>
-                <a:ext cx="1414298" cy="391646"/>
+                <a:off x="4451640" y="3810179"/>
+                <a:ext cx="1512915" cy="391646"/>
               </a:xfrm>
               <a:prstGeom prst="rect">
                 <a:avLst/>
@@ -9489,12 +9489,34 @@
                 </a:r>
                 <a14:m>
                   <m:oMath xmlns:m="http://schemas.openxmlformats.org/officeDocument/2006/math">
-                    <m:r>
-                      <a:rPr lang="zh-CN" altLang="en-US" i="1" smtClean="0">
-                        <a:latin typeface="Cambria Math" panose="02040503050406030204" pitchFamily="18" charset="0"/>
-                      </a:rPr>
-                      <m:t>𝜉</m:t>
-                    </m:r>
+                    <m:sSub>
+                      <m:sSubPr>
+                        <m:ctrlPr>
+                          <a:rPr lang="en-US" altLang="zh-CN" i="1" smtClean="0">
+                            <a:latin typeface="Cambria Math" panose="02040503050406030204" pitchFamily="18" charset="0"/>
+                          </a:rPr>
+                        </m:ctrlPr>
+                      </m:sSubPr>
+                      <m:e>
+                        <m:r>
+                          <a:rPr lang="zh-CN" altLang="en-US" i="1">
+                            <a:latin typeface="Cambria Math" panose="02040503050406030204" pitchFamily="18" charset="0"/>
+                          </a:rPr>
+                          <m:t>𝜉</m:t>
+                        </m:r>
+                      </m:e>
+                      <m:sub>
+                        <m:r>
+                          <m:rPr>
+                            <m:sty m:val="p"/>
+                          </m:rPr>
+                          <a:rPr lang="en-US" altLang="zh-CN" i="1">
+                            <a:latin typeface="Cambria Math" panose="02040503050406030204" pitchFamily="18" charset="0"/>
+                          </a:rPr>
+                          <m:t>n</m:t>
+                        </m:r>
+                      </m:sub>
+                    </m:sSub>
                   </m:oMath>
                 </a14:m>
                 <a:endParaRPr lang="en-US" altLang="zh-CN"/>
@@ -9502,7 +9524,7 @@
             </p:txBody>
           </p:sp>
         </mc:Choice>
-        <mc:Fallback xmlns="">
+        <mc:Fallback>
           <p:sp>
             <p:nvSpPr>
               <p:cNvPr id="90" name="文本框 89">
@@ -9519,8 +9541,8 @@
             </p:nvSpPr>
             <p:spPr>
               <a:xfrm>
-                <a:off x="3645581" y="3749508"/>
-                <a:ext cx="1414298" cy="391646"/>
+                <a:off x="4451640" y="3810179"/>
+                <a:ext cx="1512915" cy="391646"/>
               </a:xfrm>
               <a:prstGeom prst="rect">
                 <a:avLst/>
@@ -9528,7 +9550,7 @@
               <a:blipFill>
                 <a:blip r:embed="rId13"/>
                 <a:stretch>
-                  <a:fillRect l="-1293" t="-6250" b="-20313"/>
+                  <a:fillRect l="-1210" t="-6250" b="-20313"/>
                 </a:stretch>
               </a:blipFill>
             </p:spPr>
@@ -9565,7 +9587,7 @@
         </p:nvCxnSpPr>
         <p:spPr>
           <a:xfrm rot="10800000">
-            <a:off x="6838515" y="5452595"/>
+            <a:off x="7644574" y="5513266"/>
             <a:ext cx="1752967" cy="942117"/>
           </a:xfrm>
           <a:prstGeom prst="bentConnector2">
@@ -9612,8 +9634,8 @@
         </p:nvCxnSpPr>
         <p:spPr>
           <a:xfrm rot="10800000">
-            <a:off x="4352731" y="4141155"/>
-            <a:ext cx="2281529" cy="1115617"/>
+            <a:off x="5208098" y="4201826"/>
+            <a:ext cx="2232220" cy="1115617"/>
           </a:xfrm>
           <a:prstGeom prst="bentConnector2">
             <a:avLst/>
@@ -9657,7 +9679,7 @@
             </p:nvSpPr>
             <p:spPr>
               <a:xfrm>
-                <a:off x="8591481" y="6210045"/>
+                <a:off x="9397540" y="6270716"/>
                 <a:ext cx="409792" cy="369332"/>
               </a:xfrm>
               <a:prstGeom prst="rect">
@@ -9728,7 +9750,7 @@
             </p:nvSpPr>
             <p:spPr>
               <a:xfrm>
-                <a:off x="8591481" y="6210045"/>
+                <a:off x="9397540" y="6270716"/>
                 <a:ext cx="409792" cy="369332"/>
               </a:xfrm>
               <a:prstGeom prst="rect">
@@ -9772,7 +9794,7 @@
             </p:nvSpPr>
             <p:spPr>
               <a:xfrm>
-                <a:off x="6634259" y="5060948"/>
+                <a:off x="7440318" y="5121619"/>
                 <a:ext cx="408509" cy="391646"/>
               </a:xfrm>
               <a:prstGeom prst="rect">
@@ -9843,7 +9865,7 @@
             </p:nvSpPr>
             <p:spPr>
               <a:xfrm>
-                <a:off x="6634259" y="5060948"/>
+                <a:off x="7440318" y="5121619"/>
                 <a:ext cx="408509" cy="391646"/>
               </a:xfrm>
               <a:prstGeom prst="rect">
@@ -9885,7 +9907,7 @@
         </p:nvSpPr>
         <p:spPr>
           <a:xfrm>
-            <a:off x="5460267" y="4570390"/>
+            <a:off x="6266326" y="4631061"/>
             <a:ext cx="684655" cy="230414"/>
           </a:xfrm>
           <a:prstGeom prst="triangle">
@@ -9939,7 +9961,7 @@
             </p:nvSpPr>
             <p:spPr>
               <a:xfrm>
-                <a:off x="5378792" y="4771817"/>
+                <a:off x="6184851" y="4832488"/>
                 <a:ext cx="847604" cy="369332"/>
               </a:xfrm>
               <a:prstGeom prst="rect">
@@ -9997,7 +10019,7 @@
             </p:nvSpPr>
             <p:spPr>
               <a:xfrm>
-                <a:off x="5378792" y="4771817"/>
+                <a:off x="6184851" y="4832488"/>
                 <a:ext cx="847604" cy="369332"/>
               </a:xfrm>
               <a:prstGeom prst="rect">
@@ -10041,7 +10063,7 @@
             </p:nvSpPr>
             <p:spPr>
               <a:xfrm>
-                <a:off x="7527122" y="5443974"/>
+                <a:off x="8333181" y="5504645"/>
                 <a:ext cx="452240" cy="369332"/>
               </a:xfrm>
               <a:prstGeom prst="rect">
@@ -10112,7 +10134,7 @@
             </p:nvSpPr>
             <p:spPr>
               <a:xfrm>
-                <a:off x="7527122" y="5443974"/>
+                <a:off x="8333181" y="5504645"/>
                 <a:ext cx="452240" cy="369332"/>
               </a:xfrm>
               <a:prstGeom prst="rect">
@@ -10156,7 +10178,7 @@
             </p:nvSpPr>
             <p:spPr>
               <a:xfrm>
-                <a:off x="2242667" y="69407"/>
+                <a:off x="1998585" y="152753"/>
                 <a:ext cx="483659" cy="369332"/>
               </a:xfrm>
               <a:prstGeom prst="rect">
@@ -10214,7 +10236,7 @@
             </p:nvSpPr>
             <p:spPr>
               <a:xfrm>
-                <a:off x="2242667" y="69407"/>
+                <a:off x="1998585" y="152753"/>
                 <a:ext cx="483659" cy="369332"/>
               </a:xfrm>
               <a:prstGeom prst="rect">
@@ -10258,7 +10280,7 @@
             </p:nvSpPr>
             <p:spPr>
               <a:xfrm>
-                <a:off x="3167111" y="777569"/>
+                <a:off x="2983804" y="838597"/>
                 <a:ext cx="373820" cy="369332"/>
               </a:xfrm>
               <a:prstGeom prst="rect">
@@ -10319,7 +10341,7 @@
             </p:nvSpPr>
             <p:spPr>
               <a:xfrm>
-                <a:off x="3167111" y="777569"/>
+                <a:off x="2983804" y="838597"/>
                 <a:ext cx="373820" cy="369332"/>
               </a:xfrm>
               <a:prstGeom prst="rect">
@@ -10363,7 +10385,7 @@
             </p:nvSpPr>
             <p:spPr>
               <a:xfrm>
-                <a:off x="1433034" y="788016"/>
+                <a:off x="1188952" y="871362"/>
                 <a:ext cx="563809" cy="369332"/>
               </a:xfrm>
               <a:prstGeom prst="rect">
@@ -10415,7 +10437,7 @@
             </p:nvSpPr>
             <p:spPr>
               <a:xfrm>
-                <a:off x="1433034" y="788016"/>
+                <a:off x="1188952" y="871362"/>
                 <a:ext cx="563809" cy="369332"/>
               </a:xfrm>
               <a:prstGeom prst="rect">
@@ -10457,7 +10479,7 @@
         </p:nvSpPr>
         <p:spPr>
           <a:xfrm>
-            <a:off x="1359072" y="1146901"/>
+            <a:off x="1114990" y="1230247"/>
             <a:ext cx="684655" cy="230414"/>
           </a:xfrm>
           <a:prstGeom prst="triangle">
@@ -10511,7 +10533,7 @@
             </p:nvSpPr>
             <p:spPr>
               <a:xfrm>
-                <a:off x="1319683" y="1377315"/>
+                <a:off x="1075601" y="1460661"/>
                 <a:ext cx="724044" cy="369332"/>
               </a:xfrm>
               <a:prstGeom prst="rect">
@@ -10563,7 +10585,7 @@
             </p:nvSpPr>
             <p:spPr>
               <a:xfrm>
-                <a:off x="1319683" y="1377315"/>
+                <a:off x="1075601" y="1460661"/>
                 <a:ext cx="724044" cy="369332"/>
               </a:xfrm>
               <a:prstGeom prst="rect">
@@ -10572,7 +10594,7 @@
               <a:blipFill>
                 <a:blip r:embed="rId21"/>
                 <a:stretch>
-                  <a:fillRect b="-9836"/>
+                  <a:fillRect b="-11667"/>
                 </a:stretch>
               </a:blipFill>
             </p:spPr>
@@ -10609,7 +10631,7 @@
         </p:nvCxnSpPr>
         <p:spPr>
           <a:xfrm flipV="1">
-            <a:off x="1714939" y="438739"/>
+            <a:off x="1470857" y="522085"/>
             <a:ext cx="769558" cy="349277"/>
           </a:xfrm>
           <a:prstGeom prst="line">
@@ -10654,8 +10676,8 @@
         </p:nvCxnSpPr>
         <p:spPr>
           <a:xfrm flipH="1" flipV="1">
-            <a:off x="2484497" y="438739"/>
-            <a:ext cx="869524" cy="338830"/>
+            <a:off x="2240415" y="522085"/>
+            <a:ext cx="930299" cy="316512"/>
           </a:xfrm>
           <a:prstGeom prst="line">
             <a:avLst/>
@@ -10699,8 +10721,8 @@
         </p:nvCxnSpPr>
         <p:spPr>
           <a:xfrm flipH="1">
-            <a:off x="2723689" y="1146901"/>
-            <a:ext cx="630332" cy="318695"/>
+            <a:off x="2620587" y="1207929"/>
+            <a:ext cx="550127" cy="312544"/>
           </a:xfrm>
           <a:prstGeom prst="line">
             <a:avLst/>
@@ -10740,7 +10762,7 @@
         </p:nvSpPr>
         <p:spPr>
           <a:xfrm>
-            <a:off x="3855783" y="1462584"/>
+            <a:off x="4165038" y="1503710"/>
             <a:ext cx="346570" cy="369332"/>
           </a:xfrm>
           <a:prstGeom prst="rect">
@@ -10772,14 +10794,13 @@
           </p:cNvPr>
           <p:cNvCxnSpPr>
             <a:cxnSpLocks/>
-            <a:stCxn id="4" idx="0"/>
           </p:cNvCxnSpPr>
           <p:nvPr/>
         </p:nvCxnSpPr>
         <p:spPr>
           <a:xfrm flipH="1" flipV="1">
-            <a:off x="4146176" y="1757394"/>
-            <a:ext cx="371029" cy="289924"/>
+            <a:off x="4587217" y="1838120"/>
+            <a:ext cx="661422" cy="306466"/>
           </a:xfrm>
           <a:prstGeom prst="line">
             <a:avLst/>
@@ -10822,8 +10843,8 @@
         </p:nvCxnSpPr>
         <p:spPr>
           <a:xfrm>
-            <a:off x="3354021" y="1146901"/>
-            <a:ext cx="554591" cy="345786"/>
+            <a:off x="3170714" y="1207929"/>
+            <a:ext cx="816658" cy="338830"/>
           </a:xfrm>
           <a:prstGeom prst="line">
             <a:avLst/>
@@ -10865,7 +10886,7 @@
             </p:nvSpPr>
             <p:spPr>
               <a:xfrm>
-                <a:off x="2498691" y="1465596"/>
+                <a:off x="2395589" y="1520473"/>
                 <a:ext cx="449995" cy="369332"/>
               </a:xfrm>
               <a:prstGeom prst="rect">
@@ -10936,7 +10957,7 @@
             </p:nvSpPr>
             <p:spPr>
               <a:xfrm>
-                <a:off x="2498691" y="1465596"/>
+                <a:off x="2395589" y="1520473"/>
                 <a:ext cx="449995" cy="369332"/>
               </a:xfrm>
               <a:prstGeom prst="rect">
@@ -10978,7 +10999,7 @@
         </p:nvSpPr>
         <p:spPr>
           <a:xfrm>
-            <a:off x="3181313" y="3055631"/>
+            <a:off x="3987372" y="3116302"/>
             <a:ext cx="684655" cy="230414"/>
           </a:xfrm>
           <a:prstGeom prst="triangle">
@@ -11032,7 +11053,7 @@
             </p:nvSpPr>
             <p:spPr>
               <a:xfrm>
-                <a:off x="2976801" y="3286045"/>
+                <a:off x="3782860" y="3346716"/>
                 <a:ext cx="1072794" cy="369332"/>
               </a:xfrm>
               <a:prstGeom prst="rect">
@@ -11096,7 +11117,7 @@
             </p:nvSpPr>
             <p:spPr>
               <a:xfrm>
-                <a:off x="2976801" y="3286045"/>
+                <a:off x="3782860" y="3346716"/>
                 <a:ext cx="1072794" cy="369332"/>
               </a:xfrm>
               <a:prstGeom prst="rect">
@@ -11142,12 +11163,12 @@
         </p:nvCxnSpPr>
         <p:spPr>
           <a:xfrm rot="5400000" flipH="1">
-            <a:off x="2684144" y="744209"/>
-            <a:ext cx="4066659" cy="6071537"/>
+            <a:off x="2976470" y="291146"/>
+            <a:ext cx="4043984" cy="7121678"/>
           </a:xfrm>
           <a:prstGeom prst="bentConnector3">
             <a:avLst>
-              <a:gd name="adj1" fmla="val -5621"/>
+              <a:gd name="adj1" fmla="val -5653"/>
             </a:avLst>
           </a:prstGeom>
           <a:ln w="12700">
